--- a/S3 Estadistica descriptiva/Slides/S3_analisis_exploratorio_datos.pptx
+++ b/S3 Estadistica descriptiva/Slides/S3_analisis_exploratorio_datos.pptx
@@ -5,11 +5,11 @@
     <p:sldMasterId id="2147483672" r:id="rId1"/>
   </p:sldMasterIdLst>
   <p:notesMasterIdLst>
-    <p:notesMasterId r:id="rId27"/>
+    <p:notesMasterId r:id="rId29"/>
   </p:notesMasterIdLst>
   <p:sldIdLst>
     <p:sldId id="342" r:id="rId2"/>
-    <p:sldId id="267" r:id="rId3"/>
+    <p:sldId id="345" r:id="rId3"/>
     <p:sldId id="259" r:id="rId4"/>
     <p:sldId id="319" r:id="rId5"/>
     <p:sldId id="320" r:id="rId6"/>
@@ -30,9 +30,11 @@
     <p:sldId id="335" r:id="rId21"/>
     <p:sldId id="336" r:id="rId22"/>
     <p:sldId id="337" r:id="rId23"/>
-    <p:sldId id="338" r:id="rId24"/>
-    <p:sldId id="339" r:id="rId25"/>
-    <p:sldId id="312" r:id="rId26"/>
+    <p:sldId id="343" r:id="rId24"/>
+    <p:sldId id="344" r:id="rId25"/>
+    <p:sldId id="338" r:id="rId26"/>
+    <p:sldId id="339" r:id="rId27"/>
+    <p:sldId id="312" r:id="rId28"/>
   </p:sldIdLst>
   <p:sldSz cx="9144000" cy="6858000" type="screen4x3"/>
   <p:notesSz cx="7099300" cy="10234613"/>
@@ -157,6 +159,206 @@
 </p:cmAuthorLst>
 </file>
 
+<file path=ppt/changesInfos/changesInfo1.xml><?xml version="1.0" encoding="utf-8"?>
+<pc:chgInfo xmlns:a="http://schemas.openxmlformats.org/drawingml/2006/main" xmlns:r="http://schemas.openxmlformats.org/officeDocument/2006/relationships" xmlns:ac="http://schemas.microsoft.com/office/drawing/2013/main/command" xmlns:pc="http://schemas.microsoft.com/office/powerpoint/2013/main/command">
+  <pc:docChgLst>
+    <pc:chgData name="Antonio Saldana Gonzalez" userId="47f61718c19dc9a4" providerId="LiveId" clId="{2DF59A8C-F0FE-489B-A12F-04CD8D4E495D}"/>
+    <pc:docChg chg="custSel addSld delSld modSld">
+      <pc:chgData name="Antonio Saldana Gonzalez" userId="47f61718c19dc9a4" providerId="LiveId" clId="{2DF59A8C-F0FE-489B-A12F-04CD8D4E495D}" dt="2022-12-13T16:24:03.677" v="132" actId="47"/>
+      <pc:docMkLst>
+        <pc:docMk/>
+      </pc:docMkLst>
+      <pc:sldChg chg="del">
+        <pc:chgData name="Antonio Saldana Gonzalez" userId="47f61718c19dc9a4" providerId="LiveId" clId="{2DF59A8C-F0FE-489B-A12F-04CD8D4E495D}" dt="2022-12-13T16:24:03.677" v="132" actId="47"/>
+        <pc:sldMkLst>
+          <pc:docMk/>
+          <pc:sldMk cId="0" sldId="267"/>
+        </pc:sldMkLst>
+      </pc:sldChg>
+      <pc:sldChg chg="addSp modSp mod">
+        <pc:chgData name="Antonio Saldana Gonzalez" userId="47f61718c19dc9a4" providerId="LiveId" clId="{2DF59A8C-F0FE-489B-A12F-04CD8D4E495D}" dt="2022-12-13T11:47:47.391" v="94" actId="1076"/>
+        <pc:sldMkLst>
+          <pc:docMk/>
+          <pc:sldMk cId="566343565" sldId="337"/>
+        </pc:sldMkLst>
+        <pc:spChg chg="add mod">
+          <ac:chgData name="Antonio Saldana Gonzalez" userId="47f61718c19dc9a4" providerId="LiveId" clId="{2DF59A8C-F0FE-489B-A12F-04CD8D4E495D}" dt="2022-12-13T11:47:06.154" v="69" actId="1076"/>
+          <ac:spMkLst>
+            <pc:docMk/>
+            <pc:sldMk cId="566343565" sldId="337"/>
+            <ac:spMk id="2" creationId="{2CC79629-4EE9-3DEB-E8C6-18CA36DC5D9B}"/>
+          </ac:spMkLst>
+        </pc:spChg>
+        <pc:spChg chg="add mod">
+          <ac:chgData name="Antonio Saldana Gonzalez" userId="47f61718c19dc9a4" providerId="LiveId" clId="{2DF59A8C-F0FE-489B-A12F-04CD8D4E495D}" dt="2022-12-13T11:47:43.066" v="93" actId="1076"/>
+          <ac:spMkLst>
+            <pc:docMk/>
+            <pc:sldMk cId="566343565" sldId="337"/>
+            <ac:spMk id="11" creationId="{BA4E9FF1-4562-E2FA-4B5C-AE5DC9B58FC9}"/>
+          </ac:spMkLst>
+        </pc:spChg>
+        <pc:spChg chg="mod">
+          <ac:chgData name="Antonio Saldana Gonzalez" userId="47f61718c19dc9a4" providerId="LiveId" clId="{2DF59A8C-F0FE-489B-A12F-04CD8D4E495D}" dt="2022-12-13T11:37:11.209" v="15" actId="1076"/>
+          <ac:spMkLst>
+            <pc:docMk/>
+            <pc:sldMk cId="566343565" sldId="337"/>
+            <ac:spMk id="13" creationId="{CAF73AF5-87BF-41C6-8CE0-D234F2027B6D}"/>
+          </ac:spMkLst>
+        </pc:spChg>
+        <pc:spChg chg="mod">
+          <ac:chgData name="Antonio Saldana Gonzalez" userId="47f61718c19dc9a4" providerId="LiveId" clId="{2DF59A8C-F0FE-489B-A12F-04CD8D4E495D}" dt="2022-12-13T11:47:47.391" v="94" actId="1076"/>
+          <ac:spMkLst>
+            <pc:docMk/>
+            <pc:sldMk cId="566343565" sldId="337"/>
+            <ac:spMk id="20" creationId="{64D02508-8F45-469A-8225-8247DBDADAC2}"/>
+          </ac:spMkLst>
+        </pc:spChg>
+        <pc:spChg chg="mod">
+          <ac:chgData name="Antonio Saldana Gonzalez" userId="47f61718c19dc9a4" providerId="LiveId" clId="{2DF59A8C-F0FE-489B-A12F-04CD8D4E495D}" dt="2022-12-13T11:36:43.602" v="9" actId="1076"/>
+          <ac:spMkLst>
+            <pc:docMk/>
+            <pc:sldMk cId="566343565" sldId="337"/>
+            <ac:spMk id="23" creationId="{5CF4AC8C-9124-42AE-BBBA-40721D260DC1}"/>
+          </ac:spMkLst>
+        </pc:spChg>
+        <pc:spChg chg="mod">
+          <ac:chgData name="Antonio Saldana Gonzalez" userId="47f61718c19dc9a4" providerId="LiveId" clId="{2DF59A8C-F0FE-489B-A12F-04CD8D4E495D}" dt="2022-12-13T11:37:14.961" v="16" actId="1076"/>
+          <ac:spMkLst>
+            <pc:docMk/>
+            <pc:sldMk cId="566343565" sldId="337"/>
+            <ac:spMk id="24" creationId="{93C48925-EA42-4743-A7EF-0544E7501281}"/>
+          </ac:spMkLst>
+        </pc:spChg>
+        <pc:cxnChg chg="add">
+          <ac:chgData name="Antonio Saldana Gonzalez" userId="47f61718c19dc9a4" providerId="LiveId" clId="{2DF59A8C-F0FE-489B-A12F-04CD8D4E495D}" dt="2022-12-13T11:47:10.549" v="70" actId="11529"/>
+          <ac:cxnSpMkLst>
+            <pc:docMk/>
+            <pc:sldMk cId="566343565" sldId="337"/>
+            <ac:cxnSpMk id="5" creationId="{4B6CE574-D641-12ED-27C8-6B23B0B332CD}"/>
+          </ac:cxnSpMkLst>
+        </pc:cxnChg>
+        <pc:cxnChg chg="add mod">
+          <ac:chgData name="Antonio Saldana Gonzalez" userId="47f61718c19dc9a4" providerId="LiveId" clId="{2DF59A8C-F0FE-489B-A12F-04CD8D4E495D}" dt="2022-12-13T11:47:38.771" v="92" actId="1076"/>
+          <ac:cxnSpMkLst>
+            <pc:docMk/>
+            <pc:sldMk cId="566343565" sldId="337"/>
+            <ac:cxnSpMk id="12" creationId="{0DB30F6C-D331-F319-8F8F-FB68650B66CD}"/>
+          </ac:cxnSpMkLst>
+        </pc:cxnChg>
+      </pc:sldChg>
+      <pc:sldChg chg="delSp modSp mod">
+        <pc:chgData name="Antonio Saldana Gonzalez" userId="47f61718c19dc9a4" providerId="LiveId" clId="{2DF59A8C-F0FE-489B-A12F-04CD8D4E495D}" dt="2022-12-13T11:52:13.704" v="130" actId="20577"/>
+        <pc:sldMkLst>
+          <pc:docMk/>
+          <pc:sldMk cId="2518037048" sldId="338"/>
+        </pc:sldMkLst>
+        <pc:spChg chg="del">
+          <ac:chgData name="Antonio Saldana Gonzalez" userId="47f61718c19dc9a4" providerId="LiveId" clId="{2DF59A8C-F0FE-489B-A12F-04CD8D4E495D}" dt="2022-12-13T11:52:09.449" v="128" actId="478"/>
+          <ac:spMkLst>
+            <pc:docMk/>
+            <pc:sldMk cId="2518037048" sldId="338"/>
+            <ac:spMk id="14" creationId="{64EC99CC-4B9F-4B5D-927C-4CCD56CDE8D4}"/>
+          </ac:spMkLst>
+        </pc:spChg>
+        <pc:spChg chg="del">
+          <ac:chgData name="Antonio Saldana Gonzalez" userId="47f61718c19dc9a4" providerId="LiveId" clId="{2DF59A8C-F0FE-489B-A12F-04CD8D4E495D}" dt="2022-12-13T11:52:10.471" v="129" actId="478"/>
+          <ac:spMkLst>
+            <pc:docMk/>
+            <pc:sldMk cId="2518037048" sldId="338"/>
+            <ac:spMk id="15" creationId="{07BAE3F9-7454-4F24-B084-363F8DD2C1E2}"/>
+          </ac:spMkLst>
+        </pc:spChg>
+        <pc:spChg chg="mod">
+          <ac:chgData name="Antonio Saldana Gonzalez" userId="47f61718c19dc9a4" providerId="LiveId" clId="{2DF59A8C-F0FE-489B-A12F-04CD8D4E495D}" dt="2022-12-13T11:52:13.704" v="130" actId="20577"/>
+          <ac:spMkLst>
+            <pc:docMk/>
+            <pc:sldMk cId="2518037048" sldId="338"/>
+            <ac:spMk id="20" creationId="{64D02508-8F45-469A-8225-8247DBDADAC2}"/>
+          </ac:spMkLst>
+        </pc:spChg>
+        <pc:spChg chg="del">
+          <ac:chgData name="Antonio Saldana Gonzalez" userId="47f61718c19dc9a4" providerId="LiveId" clId="{2DF59A8C-F0FE-489B-A12F-04CD8D4E495D}" dt="2022-12-13T11:52:07.830" v="127" actId="478"/>
+          <ac:spMkLst>
+            <pc:docMk/>
+            <pc:sldMk cId="2518037048" sldId="338"/>
+            <ac:spMk id="24" creationId="{93C48925-EA42-4743-A7EF-0544E7501281}"/>
+          </ac:spMkLst>
+        </pc:spChg>
+      </pc:sldChg>
+      <pc:sldChg chg="addSp delSp modSp new mod">
+        <pc:chgData name="Antonio Saldana Gonzalez" userId="47f61718c19dc9a4" providerId="LiveId" clId="{2DF59A8C-F0FE-489B-A12F-04CD8D4E495D}" dt="2022-12-13T11:51:33.402" v="126" actId="1076"/>
+        <pc:sldMkLst>
+          <pc:docMk/>
+          <pc:sldMk cId="926172671" sldId="343"/>
+        </pc:sldMkLst>
+        <pc:spChg chg="mod">
+          <ac:chgData name="Antonio Saldana Gonzalez" userId="47f61718c19dc9a4" providerId="LiveId" clId="{2DF59A8C-F0FE-489B-A12F-04CD8D4E495D}" dt="2022-12-13T11:44:55.129" v="49" actId="313"/>
+          <ac:spMkLst>
+            <pc:docMk/>
+            <pc:sldMk cId="926172671" sldId="343"/>
+            <ac:spMk id="2" creationId="{A45D0F4D-8B10-EA25-40B9-EED68E0950A5}"/>
+          </ac:spMkLst>
+        </pc:spChg>
+        <pc:spChg chg="del">
+          <ac:chgData name="Antonio Saldana Gonzalez" userId="47f61718c19dc9a4" providerId="LiveId" clId="{2DF59A8C-F0FE-489B-A12F-04CD8D4E495D}" dt="2022-12-13T11:45:51.455" v="50" actId="478"/>
+          <ac:spMkLst>
+            <pc:docMk/>
+            <pc:sldMk cId="926172671" sldId="343"/>
+            <ac:spMk id="3" creationId="{83E49467-ABA1-DAC3-5523-91BC6D644A22}"/>
+          </ac:spMkLst>
+        </pc:spChg>
+        <pc:picChg chg="add mod">
+          <ac:chgData name="Antonio Saldana Gonzalez" userId="47f61718c19dc9a4" providerId="LiveId" clId="{2DF59A8C-F0FE-489B-A12F-04CD8D4E495D}" dt="2022-12-13T11:51:33.402" v="126" actId="1076"/>
+          <ac:picMkLst>
+            <pc:docMk/>
+            <pc:sldMk cId="926172671" sldId="343"/>
+            <ac:picMk id="6" creationId="{E037EE08-1814-24F0-A9C4-A41C0B5E0971}"/>
+          </ac:picMkLst>
+        </pc:picChg>
+      </pc:sldChg>
+      <pc:sldChg chg="addSp delSp modSp new mod">
+        <pc:chgData name="Antonio Saldana Gonzalez" userId="47f61718c19dc9a4" providerId="LiveId" clId="{2DF59A8C-F0FE-489B-A12F-04CD8D4E495D}" dt="2022-12-13T11:51:27.836" v="124" actId="1076"/>
+        <pc:sldMkLst>
+          <pc:docMk/>
+          <pc:sldMk cId="1385854911" sldId="344"/>
+        </pc:sldMkLst>
+        <pc:spChg chg="mod">
+          <ac:chgData name="Antonio Saldana Gonzalez" userId="47f61718c19dc9a4" providerId="LiveId" clId="{2DF59A8C-F0FE-489B-A12F-04CD8D4E495D}" dt="2022-12-13T11:48:05.231" v="119" actId="20577"/>
+          <ac:spMkLst>
+            <pc:docMk/>
+            <pc:sldMk cId="1385854911" sldId="344"/>
+            <ac:spMk id="2" creationId="{D11EE050-D495-2F0A-4355-81E8C8645200}"/>
+          </ac:spMkLst>
+        </pc:spChg>
+        <pc:spChg chg="del">
+          <ac:chgData name="Antonio Saldana Gonzalez" userId="47f61718c19dc9a4" providerId="LiveId" clId="{2DF59A8C-F0FE-489B-A12F-04CD8D4E495D}" dt="2022-12-13T11:51:19.311" v="121" actId="478"/>
+          <ac:spMkLst>
+            <pc:docMk/>
+            <pc:sldMk cId="1385854911" sldId="344"/>
+            <ac:spMk id="3" creationId="{3DEE60DF-17C7-95B3-1EE8-2E0C30C78049}"/>
+          </ac:spMkLst>
+        </pc:spChg>
+        <pc:picChg chg="add mod">
+          <ac:chgData name="Antonio Saldana Gonzalez" userId="47f61718c19dc9a4" providerId="LiveId" clId="{2DF59A8C-F0FE-489B-A12F-04CD8D4E495D}" dt="2022-12-13T11:51:27.836" v="124" actId="1076"/>
+          <ac:picMkLst>
+            <pc:docMk/>
+            <pc:sldMk cId="1385854911" sldId="344"/>
+            <ac:picMk id="6" creationId="{DF2C0AF9-CC90-9440-B169-23504CFE8FE4}"/>
+          </ac:picMkLst>
+        </pc:picChg>
+      </pc:sldChg>
+      <pc:sldChg chg="add">
+        <pc:chgData name="Antonio Saldana Gonzalez" userId="47f61718c19dc9a4" providerId="LiveId" clId="{2DF59A8C-F0FE-489B-A12F-04CD8D4E495D}" dt="2022-12-13T16:24:01.935" v="131"/>
+        <pc:sldMkLst>
+          <pc:docMk/>
+          <pc:sldMk cId="0" sldId="345"/>
+        </pc:sldMkLst>
+      </pc:sldChg>
+    </pc:docChg>
+  </pc:docChgLst>
+</pc:chgInfo>
+</file>
+
 <file path=ppt/comments/modernComment_143_FC04E942.xml><?xml version="1.0" encoding="utf-8"?>
 <p188:cmLst xmlns:a="http://schemas.openxmlformats.org/drawingml/2006/main" xmlns:r="http://schemas.openxmlformats.org/officeDocument/2006/relationships" xmlns:p188="http://schemas.microsoft.com/office/powerpoint/2018/8/main">
   <p188:cm id="{3FD8F6E9-1600-4DAB-97C0-57B0A25925E2}" authorId="{C1301B88-D7D8-6DD5-4FEA-8551C423C795}" created="2022-12-11T18:07:09.176">
@@ -1887,7 +2089,7 @@
           <a:p>
             <a:fld id="{5BC05090-5C0E-45B5-BB81-37C4A9E4751F}" type="slidenum">
               <a:rPr lang="es-ES" smtClean="0"/>
-              <a:t>23</a:t>
+              <a:t>25</a:t>
             </a:fld>
             <a:endParaRPr lang="es-ES"/>
           </a:p>
@@ -1971,7 +2173,7 @@
           <a:p>
             <a:fld id="{5BC05090-5C0E-45B5-BB81-37C4A9E4751F}" type="slidenum">
               <a:rPr lang="es-ES" smtClean="0"/>
-              <a:t>24</a:t>
+              <a:t>26</a:t>
             </a:fld>
             <a:endParaRPr lang="es-ES"/>
           </a:p>
@@ -11914,17 +12116,11 @@
         <p:nvGraphicFramePr>
           <p:cNvPr id="177" name="Google Shape;177;p12"/>
           <p:cNvGraphicFramePr/>
-          <p:nvPr>
-            <p:extLst>
-              <p:ext uri="{D42A27DB-BD31-4B8C-83A1-F6EECF244321}">
-                <p14:modId xmlns:p14="http://schemas.microsoft.com/office/powerpoint/2010/main" val="3899817042"/>
-              </p:ext>
-            </p:extLst>
-          </p:nvPr>
+          <p:nvPr/>
         </p:nvGraphicFramePr>
         <p:xfrm>
           <a:off x="667706" y="1676436"/>
-          <a:ext cx="7920025" cy="4762509"/>
+          <a:ext cx="7920025" cy="4762511"/>
         </p:xfrm>
         <a:graphic>
           <a:graphicData uri="http://schemas.openxmlformats.org/drawingml/2006/table">
@@ -11962,7 +12158,7 @@
                   </a:extLst>
                 </a:gridCol>
               </a:tblGrid>
-              <a:tr h="518257">
+              <a:tr h="604651">
                 <a:tc>
                   <a:txBody>
                     <a:bodyPr/>
@@ -12285,7 +12481,7 @@
                   </a:ext>
                 </a:extLst>
               </a:tr>
-              <a:tr h="792640">
+              <a:tr h="924773">
                 <a:tc>
                   <a:txBody>
                     <a:bodyPr/>
@@ -12616,7 +12812,7 @@
                   </a:ext>
                 </a:extLst>
               </a:tr>
-              <a:tr h="300223">
+              <a:tr h="355622">
                 <a:tc>
                   <a:txBody>
                     <a:bodyPr/>
@@ -12953,7 +13149,7 @@
                   </a:ext>
                 </a:extLst>
               </a:tr>
-              <a:tr h="720503">
+              <a:tr h="840611">
                 <a:tc>
                   <a:txBody>
                     <a:bodyPr/>
@@ -13296,7 +13492,7 @@
                   </a:ext>
                 </a:extLst>
               </a:tr>
-              <a:tr h="690491">
+              <a:tr h="805596">
                 <a:tc>
                   <a:txBody>
                     <a:bodyPr/>
@@ -13627,7 +13823,7 @@
                   </a:ext>
                 </a:extLst>
               </a:tr>
-              <a:tr h="300223">
+              <a:tr h="355622">
                 <a:tc gridSpan="4">
                   <a:txBody>
                     <a:bodyPr/>
@@ -13745,7 +13941,7 @@
                   </a:ext>
                 </a:extLst>
               </a:tr>
-              <a:tr h="750524">
+              <a:tr h="875636">
                 <a:tc>
                   <a:txBody>
                     <a:bodyPr/>
@@ -14076,337 +14272,6 @@
                   </a:ext>
                 </a:extLst>
               </a:tr>
-              <a:tr h="680474">
-                <a:tc>
-                  <a:txBody>
-                    <a:bodyPr/>
-                    <a:lstStyle/>
-                    <a:p>
-                      <a:pPr marL="0" marR="0" lvl="0" indent="0" algn="l" rtl="0">
-                        <a:lnSpc>
-                          <a:spcPct val="100000"/>
-                        </a:lnSpc>
-                        <a:spcBef>
-                          <a:spcPts val="0"/>
-                        </a:spcBef>
-                        <a:spcAft>
-                          <a:spcPts val="0"/>
-                        </a:spcAft>
-                        <a:buClr>
-                          <a:srgbClr val="000000"/>
-                        </a:buClr>
-                        <a:buSzPts val="1800"/>
-                        <a:buFont typeface="Calibri"/>
-                        <a:buNone/>
-                      </a:pPr>
-                      <a:r>
-                        <a:rPr lang="ca-ES" sz="1400" b="1" u="none" strike="noStrike" cap="none">
-                          <a:latin typeface="Calibri"/>
-                          <a:ea typeface="Calibri"/>
-                          <a:cs typeface="Calibri"/>
-                          <a:sym typeface="Calibri"/>
-                        </a:rPr>
-                        <a:t>16</a:t>
-                      </a:r>
-                      <a:endParaRPr sz="1400" b="1" u="none" strike="noStrike" cap="none">
-                        <a:latin typeface="Calibri"/>
-                        <a:ea typeface="Calibri"/>
-                        <a:cs typeface="Calibri"/>
-                        <a:sym typeface="Calibri"/>
-                      </a:endParaRPr>
-                    </a:p>
-                  </a:txBody>
-                  <a:tcPr marL="91450" marR="91450" marT="45725" marB="45725">
-                    <a:lnL w="12700" cap="flat" cmpd="sng">
-                      <a:solidFill>
-                        <a:schemeClr val="lt1"/>
-                      </a:solidFill>
-                      <a:prstDash val="solid"/>
-                      <a:round/>
-                      <a:headEnd type="none" w="sm" len="sm"/>
-                      <a:tailEnd type="none" w="sm" len="sm"/>
-                    </a:lnL>
-                    <a:lnR w="12700" cap="flat" cmpd="sng" algn="ctr">
-                      <a:solidFill>
-                        <a:schemeClr val="lt1"/>
-                      </a:solidFill>
-                      <a:prstDash val="solid"/>
-                      <a:round/>
-                      <a:headEnd type="none" w="sm" len="sm"/>
-                      <a:tailEnd type="none" w="sm" len="sm"/>
-                    </a:lnR>
-                    <a:lnT w="12700" cap="flat" cmpd="sng">
-                      <a:solidFill>
-                        <a:schemeClr val="lt1"/>
-                      </a:solidFill>
-                      <a:prstDash val="solid"/>
-                      <a:round/>
-                      <a:headEnd type="none" w="sm" len="sm"/>
-                      <a:tailEnd type="none" w="sm" len="sm"/>
-                    </a:lnT>
-                    <a:lnB w="12700" cap="flat" cmpd="sng">
-                      <a:solidFill>
-                        <a:schemeClr val="lt1"/>
-                      </a:solidFill>
-                      <a:prstDash val="solid"/>
-                      <a:round/>
-                      <a:headEnd type="none" w="sm" len="sm"/>
-                      <a:tailEnd type="none" w="sm" len="sm"/>
-                    </a:lnB>
-                    <a:solidFill>
-                      <a:srgbClr val="D8E2F3"/>
-                    </a:solidFill>
-                  </a:tcPr>
-                </a:tc>
-                <a:tc>
-                  <a:txBody>
-                    <a:bodyPr/>
-                    <a:lstStyle/>
-                    <a:p>
-                      <a:pPr marL="0" marR="0" lvl="0" indent="0" algn="l" rtl="0">
-                        <a:lnSpc>
-                          <a:spcPct val="100000"/>
-                        </a:lnSpc>
-                        <a:spcBef>
-                          <a:spcPts val="0"/>
-                        </a:spcBef>
-                        <a:spcAft>
-                          <a:spcPts val="0"/>
-                        </a:spcAft>
-                        <a:buClr>
-                          <a:srgbClr val="000000"/>
-                        </a:buClr>
-                        <a:buSzPts val="1800"/>
-                        <a:buFont typeface="Calibri"/>
-                        <a:buNone/>
-                      </a:pPr>
-                      <a:r>
-                        <a:rPr lang="ca-ES" sz="1400" b="1" u="none" strike="noStrike" cap="none">
-                          <a:latin typeface="Calibri"/>
-                          <a:ea typeface="Calibri"/>
-                          <a:cs typeface="Calibri"/>
-                          <a:sym typeface="Calibri"/>
-                        </a:rPr>
-                        <a:t>17</a:t>
-                      </a:r>
-                      <a:endParaRPr sz="1400" b="1" u="none" strike="noStrike" cap="none">
-                        <a:latin typeface="Calibri"/>
-                        <a:ea typeface="Calibri"/>
-                        <a:cs typeface="Calibri"/>
-                        <a:sym typeface="Calibri"/>
-                      </a:endParaRPr>
-                    </a:p>
-                  </a:txBody>
-                  <a:tcPr marL="91450" marR="91450" marT="45725" marB="45725">
-                    <a:lnL w="12700" cap="flat" cmpd="sng" algn="ctr">
-                      <a:solidFill>
-                        <a:schemeClr val="lt1"/>
-                      </a:solidFill>
-                      <a:prstDash val="solid"/>
-                      <a:round/>
-                      <a:headEnd type="none" w="sm" len="sm"/>
-                      <a:tailEnd type="none" w="sm" len="sm"/>
-                    </a:lnL>
-                    <a:lnR w="12700" cap="flat" cmpd="sng" algn="ctr">
-                      <a:solidFill>
-                        <a:schemeClr val="lt1"/>
-                      </a:solidFill>
-                      <a:prstDash val="solid"/>
-                      <a:round/>
-                      <a:headEnd type="none" w="sm" len="sm"/>
-                      <a:tailEnd type="none" w="sm" len="sm"/>
-                    </a:lnR>
-                    <a:lnT w="12700" cap="flat" cmpd="sng">
-                      <a:solidFill>
-                        <a:schemeClr val="lt1"/>
-                      </a:solidFill>
-                      <a:prstDash val="solid"/>
-                      <a:round/>
-                      <a:headEnd type="none" w="sm" len="sm"/>
-                      <a:tailEnd type="none" w="sm" len="sm"/>
-                    </a:lnT>
-                    <a:lnB w="12700" cap="flat" cmpd="sng">
-                      <a:solidFill>
-                        <a:schemeClr val="lt1"/>
-                      </a:solidFill>
-                      <a:prstDash val="solid"/>
-                      <a:round/>
-                      <a:headEnd type="none" w="sm" len="sm"/>
-                      <a:tailEnd type="none" w="sm" len="sm"/>
-                    </a:lnB>
-                    <a:solidFill>
-                      <a:srgbClr val="D8E2F3"/>
-                    </a:solidFill>
-                  </a:tcPr>
-                </a:tc>
-                <a:tc>
-                  <a:txBody>
-                    <a:bodyPr/>
-                    <a:lstStyle/>
-                    <a:p>
-                      <a:pPr marL="0" marR="0" lvl="0" indent="0" algn="l" rtl="0">
-                        <a:lnSpc>
-                          <a:spcPct val="100000"/>
-                        </a:lnSpc>
-                        <a:spcBef>
-                          <a:spcPts val="0"/>
-                        </a:spcBef>
-                        <a:spcAft>
-                          <a:spcPts val="0"/>
-                        </a:spcAft>
-                        <a:buClr>
-                          <a:srgbClr val="000000"/>
-                        </a:buClr>
-                        <a:buSzPts val="1800"/>
-                        <a:buFont typeface="Calibri"/>
-                        <a:buNone/>
-                      </a:pPr>
-                      <a:r>
-                        <a:rPr lang="ca-ES" sz="1400" b="1" u="none" strike="noStrike" cap="none">
-                          <a:latin typeface="Calibri"/>
-                          <a:ea typeface="Calibri"/>
-                          <a:cs typeface="Calibri"/>
-                          <a:sym typeface="Calibri"/>
-                        </a:rPr>
-                        <a:t>18</a:t>
-                      </a:r>
-                      <a:endParaRPr sz="1400" b="1" u="none" strike="noStrike" cap="none">
-                        <a:latin typeface="Calibri"/>
-                        <a:ea typeface="Calibri"/>
-                        <a:cs typeface="Calibri"/>
-                        <a:sym typeface="Calibri"/>
-                      </a:endParaRPr>
-                    </a:p>
-                  </a:txBody>
-                  <a:tcPr marL="91450" marR="91450" marT="45725" marB="45725">
-                    <a:lnL w="12700" cap="flat" cmpd="sng" algn="ctr">
-                      <a:solidFill>
-                        <a:schemeClr val="lt1"/>
-                      </a:solidFill>
-                      <a:prstDash val="solid"/>
-                      <a:round/>
-                      <a:headEnd type="none" w="sm" len="sm"/>
-                      <a:tailEnd type="none" w="sm" len="sm"/>
-                    </a:lnL>
-                    <a:lnR w="12700" cap="flat" cmpd="sng" algn="ctr">
-                      <a:solidFill>
-                        <a:schemeClr val="lt1"/>
-                      </a:solidFill>
-                      <a:prstDash val="solid"/>
-                      <a:round/>
-                      <a:headEnd type="none" w="sm" len="sm"/>
-                      <a:tailEnd type="none" w="sm" len="sm"/>
-                    </a:lnR>
-                    <a:lnT w="12700" cap="flat" cmpd="sng">
-                      <a:solidFill>
-                        <a:schemeClr val="lt1"/>
-                      </a:solidFill>
-                      <a:prstDash val="solid"/>
-                      <a:round/>
-                      <a:headEnd type="none" w="sm" len="sm"/>
-                      <a:tailEnd type="none" w="sm" len="sm"/>
-                    </a:lnT>
-                    <a:lnB w="12700" cap="flat" cmpd="sng">
-                      <a:solidFill>
-                        <a:schemeClr val="lt1"/>
-                      </a:solidFill>
-                      <a:prstDash val="solid"/>
-                      <a:round/>
-                      <a:headEnd type="none" w="sm" len="sm"/>
-                      <a:tailEnd type="none" w="sm" len="sm"/>
-                    </a:lnB>
-                    <a:solidFill>
-                      <a:srgbClr val="D8E2F3"/>
-                    </a:solidFill>
-                  </a:tcPr>
-                </a:tc>
-                <a:tc>
-                  <a:txBody>
-                    <a:bodyPr/>
-                    <a:lstStyle/>
-                    <a:p>
-                      <a:pPr marL="0" marR="0" lvl="0" indent="0" algn="l" rtl="0">
-                        <a:lnSpc>
-                          <a:spcPct val="100000"/>
-                        </a:lnSpc>
-                        <a:spcBef>
-                          <a:spcPts val="0"/>
-                        </a:spcBef>
-                        <a:spcAft>
-                          <a:spcPts val="0"/>
-                        </a:spcAft>
-                        <a:buClr>
-                          <a:srgbClr val="000000"/>
-                        </a:buClr>
-                        <a:buSzPts val="1800"/>
-                        <a:buFont typeface="Calibri"/>
-                        <a:buNone/>
-                      </a:pPr>
-                      <a:r>
-                        <a:rPr lang="ca-ES" sz="1400" b="1" u="none" strike="noStrike" cap="none">
-                          <a:latin typeface="Calibri"/>
-                          <a:ea typeface="Calibri"/>
-                          <a:cs typeface="Calibri"/>
-                          <a:sym typeface="Calibri"/>
-                        </a:rPr>
-                        <a:t>19</a:t>
-                      </a:r>
-                      <a:endParaRPr sz="1400" b="1" u="none" strike="noStrike" cap="none">
-                        <a:latin typeface="Calibri"/>
-                        <a:ea typeface="Calibri"/>
-                        <a:cs typeface="Calibri"/>
-                        <a:sym typeface="Calibri"/>
-                      </a:endParaRPr>
-                    </a:p>
-                  </a:txBody>
-                  <a:tcPr marL="91450" marR="91450" marT="45725" marB="45725">
-                    <a:lnL w="12700" cap="flat" cmpd="sng" algn="ctr">
-                      <a:solidFill>
-                        <a:schemeClr val="lt1"/>
-                      </a:solidFill>
-                      <a:prstDash val="solid"/>
-                      <a:round/>
-                      <a:headEnd type="none" w="sm" len="sm"/>
-                      <a:tailEnd type="none" w="sm" len="sm"/>
-                    </a:lnL>
-                    <a:lnR w="12700" cap="flat" cmpd="sng">
-                      <a:solidFill>
-                        <a:schemeClr val="lt1"/>
-                      </a:solidFill>
-                      <a:prstDash val="solid"/>
-                      <a:round/>
-                      <a:headEnd type="none" w="sm" len="sm"/>
-                      <a:tailEnd type="none" w="sm" len="sm"/>
-                    </a:lnR>
-                    <a:lnT w="12700" cap="flat" cmpd="sng">
-                      <a:solidFill>
-                        <a:schemeClr val="lt1"/>
-                      </a:solidFill>
-                      <a:prstDash val="solid"/>
-                      <a:round/>
-                      <a:headEnd type="none" w="sm" len="sm"/>
-                      <a:tailEnd type="none" w="sm" len="sm"/>
-                    </a:lnT>
-                    <a:lnB w="12700" cap="flat" cmpd="sng">
-                      <a:solidFill>
-                        <a:schemeClr val="lt1"/>
-                      </a:solidFill>
-                      <a:prstDash val="solid"/>
-                      <a:round/>
-                      <a:headEnd type="none" w="sm" len="sm"/>
-                      <a:tailEnd type="none" w="sm" len="sm"/>
-                    </a:lnB>
-                    <a:solidFill>
-                      <a:srgbClr val="D8E2F3"/>
-                    </a:solidFill>
-                  </a:tcPr>
-                </a:tc>
-                <a:extLst>
-                  <a:ext uri="{0D108BD9-81ED-4DB2-BD59-A6C34878D82A}">
-                    <a16:rowId xmlns:a16="http://schemas.microsoft.com/office/drawing/2014/main" val="2576022674"/>
-                  </a:ext>
-                </a:extLst>
-              </a:tr>
             </a:tbl>
           </a:graphicData>
         </a:graphic>
@@ -14482,7 +14347,7 @@
         </p:nvSpPr>
         <p:spPr>
           <a:xfrm>
-            <a:off x="1804482" y="2351666"/>
+            <a:off x="1804481" y="2544259"/>
             <a:ext cx="2627841" cy="584775"/>
           </a:xfrm>
           <a:prstGeom prst="rect">
@@ -14536,7 +14401,7 @@
         </p:nvSpPr>
         <p:spPr>
           <a:xfrm>
-            <a:off x="5887509" y="2476675"/>
+            <a:off x="5871380" y="2603639"/>
             <a:ext cx="2627841" cy="541046"/>
           </a:xfrm>
           <a:prstGeom prst="rect">
@@ -14597,7 +14462,7 @@
         </p:nvSpPr>
         <p:spPr>
           <a:xfrm>
-            <a:off x="1804482" y="3538974"/>
+            <a:off x="1804481" y="3875128"/>
             <a:ext cx="2627841" cy="365126"/>
           </a:xfrm>
           <a:prstGeom prst="rect">
@@ -14657,7 +14522,7 @@
         </p:nvSpPr>
         <p:spPr>
           <a:xfrm>
-            <a:off x="5882713" y="3532626"/>
+            <a:off x="5867187" y="3810128"/>
             <a:ext cx="2627841" cy="524330"/>
           </a:xfrm>
           <a:prstGeom prst="rect">
@@ -14737,7 +14602,7 @@
         </p:nvSpPr>
         <p:spPr>
           <a:xfrm>
-            <a:off x="1804482" y="4237353"/>
+            <a:off x="1804481" y="4657234"/>
             <a:ext cx="2627841" cy="524330"/>
           </a:xfrm>
           <a:prstGeom prst="rect">
@@ -14855,8 +14720,8 @@
         </p:nvSpPr>
         <p:spPr>
           <a:xfrm rot="-5400000">
-            <a:off x="95828" y="2418973"/>
-            <a:ext cx="774423" cy="369332"/>
+            <a:off x="33385" y="2566079"/>
+            <a:ext cx="899309" cy="369332"/>
           </a:xfrm>
           <a:prstGeom prst="rect">
             <a:avLst/>
@@ -14915,8 +14780,8 @@
         </p:nvSpPr>
         <p:spPr>
           <a:xfrm rot="-5400000">
-            <a:off x="-366418" y="3655346"/>
-            <a:ext cx="1698624" cy="369631"/>
+            <a:off x="-523680" y="4022159"/>
+            <a:ext cx="2013153" cy="369631"/>
           </a:xfrm>
           <a:prstGeom prst="rect">
             <a:avLst/>
@@ -14975,8 +14840,8 @@
         </p:nvSpPr>
         <p:spPr>
           <a:xfrm rot="-5400000">
-            <a:off x="-228480" y="5543058"/>
-            <a:ext cx="1422446" cy="369332"/>
+            <a:off x="48803" y="5820339"/>
+            <a:ext cx="867879" cy="369333"/>
           </a:xfrm>
           <a:prstGeom prst="rect">
             <a:avLst/>
@@ -15041,7 +14906,7 @@
         </p:nvSpPr>
         <p:spPr>
           <a:xfrm>
-            <a:off x="1804482" y="6054485"/>
+            <a:off x="5882712" y="5839465"/>
             <a:ext cx="2352030" cy="365126"/>
           </a:xfrm>
           <a:prstGeom prst="rect">
@@ -15113,7 +14978,7 @@
         </p:nvSpPr>
         <p:spPr>
           <a:xfrm>
-            <a:off x="5882712" y="5262845"/>
+            <a:off x="1804481" y="5839465"/>
             <a:ext cx="2627842" cy="524330"/>
           </a:xfrm>
           <a:prstGeom prst="rect">
@@ -15180,7 +15045,7 @@
         </p:nvSpPr>
         <p:spPr>
           <a:xfrm>
-            <a:off x="1804482" y="5267055"/>
+            <a:off x="5851663" y="4672505"/>
             <a:ext cx="2658891" cy="541047"/>
           </a:xfrm>
           <a:prstGeom prst="rect">
@@ -16815,93 +16680,262 @@
           </a:fontRef>
         </p:style>
       </p:cxnSp>
-      <p:sp>
-        <p:nvSpPr>
-          <p:cNvPr id="20" name="Rectángulo 10">
-            <a:extLst>
-              <a:ext uri="{FF2B5EF4-FFF2-40B4-BE49-F238E27FC236}">
-                <a16:creationId xmlns:a16="http://schemas.microsoft.com/office/drawing/2014/main" id="{64D02508-8F45-469A-8225-8247DBDADAC2}"/>
-              </a:ext>
-            </a:extLst>
-          </p:cNvPr>
-          <p:cNvSpPr/>
-          <p:nvPr/>
-        </p:nvSpPr>
-        <p:spPr>
-          <a:xfrm>
-            <a:off x="702448" y="2014284"/>
-            <a:ext cx="7739104" cy="3693319"/>
-          </a:xfrm>
-          <a:prstGeom prst="rect">
-            <a:avLst/>
-          </a:prstGeom>
-        </p:spPr>
-        <p:txBody>
-          <a:bodyPr wrap="square">
-            <a:spAutoFit/>
-          </a:bodyPr>
-          <a:lstStyle/>
-          <a:p>
-            <a:pPr algn="just"/>
-            <a:r>
-              <a:rPr lang="es-ES" dirty="0"/>
-              <a:t>Hay dos normas básicas para calcular probabilidades combinado dos posibles eventos.</a:t>
-            </a:r>
-          </a:p>
-          <a:p>
-            <a:pPr algn="just"/>
-            <a:endParaRPr lang="es-ES" dirty="0"/>
-          </a:p>
-          <a:p>
-            <a:pPr algn="just"/>
-            <a:endParaRPr lang="es-ES" dirty="0"/>
-          </a:p>
-          <a:p>
-            <a:pPr algn="just"/>
-            <a:endParaRPr lang="es-ES" dirty="0"/>
-          </a:p>
-          <a:p>
-            <a:pPr algn="just"/>
-            <a:endParaRPr lang="es-ES" dirty="0"/>
-          </a:p>
-          <a:p>
-            <a:pPr algn="just"/>
-            <a:r>
-              <a:rPr lang="es-ES" dirty="0"/>
-              <a:t>O introduciendo una nueva notación:</a:t>
-            </a:r>
-          </a:p>
-          <a:p>
-            <a:pPr algn="just"/>
-            <a:endParaRPr lang="es-ES" dirty="0"/>
-          </a:p>
-          <a:p>
-            <a:pPr algn="just"/>
-            <a:endParaRPr lang="es-ES" dirty="0"/>
-          </a:p>
-          <a:p>
-            <a:pPr algn="just"/>
-            <a:endParaRPr lang="es-ES" dirty="0"/>
-          </a:p>
-          <a:p>
-            <a:pPr algn="just"/>
-            <a:r>
-              <a:rPr lang="es-ES" dirty="0"/>
-              <a:t>Otra norma importante es:</a:t>
-            </a:r>
-          </a:p>
-          <a:p>
-            <a:pPr algn="just"/>
-            <a:endParaRPr lang="es-ES" dirty="0"/>
-          </a:p>
-          <a:p>
-            <a:pPr algn="just"/>
-            <a:endParaRPr lang="es-ES" dirty="0"/>
-          </a:p>
-        </p:txBody>
-      </p:sp>
-      <mc:AlternateContent xmlns:mc="http://schemas.openxmlformats.org/markup-compatibility/2006" xmlns:a14="http://schemas.microsoft.com/office/drawing/2010/main">
-        <mc:Choice Requires="a14">
+      <mc:AlternateContent xmlns:mc="http://schemas.openxmlformats.org/markup-compatibility/2006">
+        <mc:Choice xmlns:a14="http://schemas.microsoft.com/office/drawing/2010/main" Requires="a14">
+          <p:sp>
+            <p:nvSpPr>
+              <p:cNvPr id="20" name="Rectángulo 10">
+                <a:extLst>
+                  <a:ext uri="{FF2B5EF4-FFF2-40B4-BE49-F238E27FC236}">
+                    <a16:creationId xmlns:a16="http://schemas.microsoft.com/office/drawing/2014/main" id="{64D02508-8F45-469A-8225-8247DBDADAC2}"/>
+                  </a:ext>
+                </a:extLst>
+              </p:cNvPr>
+              <p:cNvSpPr/>
+              <p:nvPr/>
+            </p:nvSpPr>
+            <p:spPr>
+              <a:xfrm>
+                <a:off x="509546" y="1948933"/>
+                <a:ext cx="7739104" cy="3970318"/>
+              </a:xfrm>
+              <a:prstGeom prst="rect">
+                <a:avLst/>
+              </a:prstGeom>
+            </p:spPr>
+            <p:txBody>
+              <a:bodyPr wrap="square">
+                <a:spAutoFit/>
+              </a:bodyPr>
+              <a:lstStyle/>
+              <a:p>
+                <a:pPr algn="just"/>
+                <a:r>
+                  <a:rPr lang="es-ES" dirty="0"/>
+                  <a:t>Hay dos normas básicas para calcular probabilidades combinado dos posibles eventos.</a:t>
+                </a:r>
+              </a:p>
+              <a:p>
+                <a:pPr algn="just"/>
+                <a:endParaRPr lang="es-ES" dirty="0"/>
+              </a:p>
+              <a:p>
+                <a:pPr algn="just"/>
+                <a:endParaRPr lang="es-ES" dirty="0"/>
+              </a:p>
+              <a:p>
+                <a:pPr algn="just"/>
+                <a:endParaRPr lang="es-ES" dirty="0"/>
+              </a:p>
+              <a:p>
+                <a:pPr algn="just"/>
+                <a:endParaRPr lang="es-ES" dirty="0"/>
+              </a:p>
+              <a:p>
+                <a:pPr algn="just"/>
+                <a:r>
+                  <a:rPr lang="es-ES" dirty="0"/>
+                  <a:t>O introduciendo una nueva notación:</a:t>
+                </a:r>
+              </a:p>
+              <a:p>
+                <a:pPr algn="ctr"/>
+                <a14:m>
+                  <m:oMath xmlns:m="http://schemas.openxmlformats.org/officeDocument/2006/math">
+                    <m:r>
+                      <a:rPr lang="ca-ES" i="1" smtClean="0">
+                        <a:latin typeface="Cambria Math" panose="02040503050406030204" pitchFamily="18" charset="0"/>
+                      </a:rPr>
+                      <m:t>𝑃</m:t>
+                    </m:r>
+                    <m:r>
+                      <a:rPr lang="ca-ES" i="1" smtClean="0">
+                        <a:latin typeface="Cambria Math" panose="02040503050406030204" pitchFamily="18" charset="0"/>
+                      </a:rPr>
+                      <m:t> </m:t>
+                    </m:r>
+                    <m:d>
+                      <m:dPr>
+                        <m:ctrlPr>
+                          <a:rPr lang="ca-ES" i="1">
+                            <a:latin typeface="Cambria Math" panose="02040503050406030204" pitchFamily="18" charset="0"/>
+                          </a:rPr>
+                        </m:ctrlPr>
+                      </m:dPr>
+                      <m:e>
+                        <m:r>
+                          <a:rPr lang="ca-ES" i="1">
+                            <a:latin typeface="Cambria Math" panose="02040503050406030204" pitchFamily="18" charset="0"/>
+                          </a:rPr>
+                          <m:t>𝐴</m:t>
+                        </m:r>
+                        <m:r>
+                          <a:rPr lang="ca-ES" i="1">
+                            <a:latin typeface="Cambria Math" panose="02040503050406030204" pitchFamily="18" charset="0"/>
+                            <a:ea typeface="Cambria Math" panose="02040503050406030204" pitchFamily="18" charset="0"/>
+                          </a:rPr>
+                          <m:t>∩</m:t>
+                        </m:r>
+                        <m:r>
+                          <a:rPr lang="ca-ES" i="1">
+                            <a:latin typeface="Cambria Math" panose="02040503050406030204" pitchFamily="18" charset="0"/>
+                            <a:ea typeface="Cambria Math" panose="02040503050406030204" pitchFamily="18" charset="0"/>
+                          </a:rPr>
+                          <m:t>𝐵</m:t>
+                        </m:r>
+                      </m:e>
+                    </m:d>
+                    <m:r>
+                      <a:rPr lang="ca-ES" i="1">
+                        <a:latin typeface="Cambria Math" panose="02040503050406030204" pitchFamily="18" charset="0"/>
+                      </a:rPr>
+                      <m:t>=</m:t>
+                    </m:r>
+                  </m:oMath>
+                </a14:m>
+                <a:r>
+                  <a:rPr lang="es-ES" dirty="0"/>
+                  <a:t> </a:t>
+                </a:r>
+                <a14:m>
+                  <m:oMath xmlns:m="http://schemas.openxmlformats.org/officeDocument/2006/math">
+                    <m:r>
+                      <a:rPr lang="ca-ES" i="1">
+                        <a:latin typeface="Cambria Math" panose="02040503050406030204" pitchFamily="18" charset="0"/>
+                      </a:rPr>
+                      <m:t>𝑃</m:t>
+                    </m:r>
+                    <m:d>
+                      <m:dPr>
+                        <m:ctrlPr>
+                          <a:rPr lang="ca-ES" i="1">
+                            <a:latin typeface="Cambria Math" panose="02040503050406030204" pitchFamily="18" charset="0"/>
+                          </a:rPr>
+                        </m:ctrlPr>
+                      </m:dPr>
+                      <m:e>
+                        <m:r>
+                          <a:rPr lang="ca-ES" i="1">
+                            <a:latin typeface="Cambria Math" panose="02040503050406030204" pitchFamily="18" charset="0"/>
+                          </a:rPr>
+                          <m:t>𝐴</m:t>
+                        </m:r>
+                      </m:e>
+                    </m:d>
+                    <m:r>
+                      <a:rPr lang="ca-ES" i="1">
+                        <a:latin typeface="Cambria Math" panose="02040503050406030204" pitchFamily="18" charset="0"/>
+                      </a:rPr>
+                      <m:t>·</m:t>
+                    </m:r>
+                    <m:r>
+                      <a:rPr lang="ca-ES" i="1">
+                        <a:latin typeface="Cambria Math" panose="02040503050406030204" pitchFamily="18" charset="0"/>
+                      </a:rPr>
+                      <m:t>𝑃</m:t>
+                    </m:r>
+                    <m:r>
+                      <a:rPr lang="ca-ES" i="1">
+                        <a:latin typeface="Cambria Math" panose="02040503050406030204" pitchFamily="18" charset="0"/>
+                      </a:rPr>
+                      <m:t>(</m:t>
+                    </m:r>
+                    <m:r>
+                      <a:rPr lang="ca-ES" i="1">
+                        <a:latin typeface="Cambria Math" panose="02040503050406030204" pitchFamily="18" charset="0"/>
+                      </a:rPr>
+                      <m:t>𝐵</m:t>
+                    </m:r>
+                    <m:r>
+                      <a:rPr lang="ca-ES" i="1">
+                        <a:latin typeface="Cambria Math" panose="02040503050406030204" pitchFamily="18" charset="0"/>
+                      </a:rPr>
+                      <m:t>)</m:t>
+                    </m:r>
+                  </m:oMath>
+                </a14:m>
+                <a:r>
+                  <a:rPr lang="es-ES" dirty="0"/>
+                  <a:t> </a:t>
+                </a:r>
+              </a:p>
+              <a:p>
+                <a:pPr algn="just"/>
+                <a:endParaRPr lang="es-ES" dirty="0"/>
+              </a:p>
+              <a:p>
+                <a:pPr algn="just"/>
+                <a:endParaRPr lang="es-ES" dirty="0"/>
+              </a:p>
+              <a:p>
+                <a:pPr algn="just"/>
+                <a:endParaRPr lang="es-ES" dirty="0"/>
+              </a:p>
+              <a:p>
+                <a:pPr algn="just"/>
+                <a:r>
+                  <a:rPr lang="es-ES" dirty="0"/>
+                  <a:t>Otra norma importante es:</a:t>
+                </a:r>
+              </a:p>
+              <a:p>
+                <a:pPr algn="just"/>
+                <a:endParaRPr lang="es-ES" dirty="0"/>
+              </a:p>
+              <a:p>
+                <a:pPr algn="just"/>
+                <a:endParaRPr lang="es-ES" dirty="0"/>
+              </a:p>
+            </p:txBody>
+          </p:sp>
+        </mc:Choice>
+        <mc:Fallback>
+          <p:sp>
+            <p:nvSpPr>
+              <p:cNvPr id="20" name="Rectángulo 10">
+                <a:extLst>
+                  <a:ext uri="{FF2B5EF4-FFF2-40B4-BE49-F238E27FC236}">
+                    <a16:creationId xmlns:a16="http://schemas.microsoft.com/office/drawing/2014/main" id="{64D02508-8F45-469A-8225-8247DBDADAC2}"/>
+                  </a:ext>
+                </a:extLst>
+              </p:cNvPr>
+              <p:cNvSpPr>
+                <a:spLocks noRot="1" noChangeAspect="1" noMove="1" noResize="1" noEditPoints="1" noAdjustHandles="1" noChangeArrowheads="1" noChangeShapeType="1" noTextEdit="1"/>
+              </p:cNvSpPr>
+              <p:nvPr/>
+            </p:nvSpPr>
+            <p:spPr>
+              <a:xfrm>
+                <a:off x="509546" y="1948933"/>
+                <a:ext cx="7739104" cy="3970318"/>
+              </a:xfrm>
+              <a:prstGeom prst="rect">
+                <a:avLst/>
+              </a:prstGeom>
+              <a:blipFill>
+                <a:blip r:embed="rId4"/>
+                <a:stretch>
+                  <a:fillRect l="-709" t="-922" r="-630"/>
+                </a:stretch>
+              </a:blipFill>
+            </p:spPr>
+            <p:txBody>
+              <a:bodyPr/>
+              <a:lstStyle/>
+              <a:p>
+                <a:r>
+                  <a:rPr lang="es-ES">
+                    <a:noFill/>
+                  </a:rPr>
+                  <a:t> </a:t>
+                </a:r>
+              </a:p>
+            </p:txBody>
+          </p:sp>
+        </mc:Fallback>
+      </mc:AlternateContent>
+      <mc:AlternateContent xmlns:mc="http://schemas.openxmlformats.org/markup-compatibility/2006">
+        <mc:Choice xmlns:a14="http://schemas.microsoft.com/office/drawing/2010/main" Requires="a14">
           <p:sp>
             <p:nvSpPr>
               <p:cNvPr id="13" name="TextBox 12">
@@ -16916,8 +16950,8 @@
             </p:nvSpPr>
             <p:spPr>
               <a:xfrm>
-                <a:off x="3349999" y="2637324"/>
-                <a:ext cx="2444002" cy="276999"/>
+                <a:off x="3372101" y="2527191"/>
+                <a:ext cx="2495298" cy="276999"/>
               </a:xfrm>
               <a:prstGeom prst="rect">
                 <a:avLst/>
@@ -16991,13 +17025,13 @@
                         </m:e>
                       </m:d>
                       <m:r>
-                        <a:rPr lang="ca-ES" b="0" i="1" smtClean="0">
+                        <a:rPr lang="es-MX" b="0" i="1" smtClean="0">
                           <a:latin typeface="Cambria Math" panose="02040503050406030204" pitchFamily="18" charset="0"/>
                         </a:rPr>
-                        <m:t>=</m:t>
+                        <m:t>= </m:t>
                       </m:r>
                       <m:r>
-                        <a:rPr lang="ca-ES" b="0" i="1" smtClean="0">
+                        <a:rPr lang="ca-ES" i="1">
                           <a:latin typeface="Cambria Math" panose="02040503050406030204" pitchFamily="18" charset="0"/>
                         </a:rPr>
                         <m:t>𝑃</m:t>
@@ -17057,7 +17091,7 @@
             </p:txBody>
           </p:sp>
         </mc:Choice>
-        <mc:Fallback xmlns="">
+        <mc:Fallback>
           <p:sp>
             <p:nvSpPr>
               <p:cNvPr id="13" name="TextBox 12">
@@ -17074,16 +17108,16 @@
             </p:nvSpPr>
             <p:spPr>
               <a:xfrm>
-                <a:off x="3349999" y="2637324"/>
-                <a:ext cx="2444002" cy="276999"/>
+                <a:off x="3372101" y="2527191"/>
+                <a:ext cx="2495298" cy="276999"/>
               </a:xfrm>
               <a:prstGeom prst="rect">
                 <a:avLst/>
               </a:prstGeom>
               <a:blipFill>
-                <a:blip r:embed="rId4"/>
+                <a:blip r:embed="rId5"/>
                 <a:stretch>
-                  <a:fillRect l="-2000" t="-4444" r="-3250" b="-35556"/>
+                  <a:fillRect l="-1711" t="-4444" r="-2934" b="-35556"/>
                 </a:stretch>
               </a:blipFill>
             </p:spPr>
@@ -17092,7 +17126,7 @@
               <a:lstStyle/>
               <a:p>
                 <a:r>
-                  <a:rPr lang="en-US">
+                  <a:rPr lang="es-ES">
                     <a:noFill/>
                   </a:rPr>
                   <a:t> </a:t>
@@ -17341,7 +17375,7 @@
                 <a:avLst/>
               </a:prstGeom>
               <a:blipFill>
-                <a:blip r:embed="rId5"/>
+                <a:blip r:embed="rId6"/>
                 <a:stretch>
                   <a:fillRect l="-1074" t="-2222" r="-1687" b="-35556"/>
                 </a:stretch>
@@ -17362,8 +17396,8 @@
           </p:sp>
         </mc:Fallback>
       </mc:AlternateContent>
-      <mc:AlternateContent xmlns:mc="http://schemas.openxmlformats.org/markup-compatibility/2006" xmlns:a14="http://schemas.microsoft.com/office/drawing/2010/main">
-        <mc:Choice Requires="a14">
+      <mc:AlternateContent xmlns:mc="http://schemas.openxmlformats.org/markup-compatibility/2006">
+        <mc:Choice xmlns:a14="http://schemas.microsoft.com/office/drawing/2010/main" Requires="a14">
           <p:sp>
             <p:nvSpPr>
               <p:cNvPr id="23" name="TextBox 22">
@@ -17378,7 +17412,7 @@
             </p:nvSpPr>
             <p:spPr>
               <a:xfrm>
-                <a:off x="2472451" y="4179093"/>
+                <a:off x="2472451" y="4562086"/>
                 <a:ext cx="4199098" cy="276999"/>
               </a:xfrm>
               <a:prstGeom prst="rect">
@@ -17567,7 +17601,7 @@
             </p:txBody>
           </p:sp>
         </mc:Choice>
-        <mc:Fallback xmlns="">
+        <mc:Fallback>
           <p:sp>
             <p:nvSpPr>
               <p:cNvPr id="23" name="TextBox 22">
@@ -17584,16 +17618,16 @@
             </p:nvSpPr>
             <p:spPr>
               <a:xfrm>
-                <a:off x="2472451" y="4179093"/>
+                <a:off x="2472451" y="4562086"/>
                 <a:ext cx="4199098" cy="276999"/>
               </a:xfrm>
               <a:prstGeom prst="rect">
                 <a:avLst/>
               </a:prstGeom>
               <a:blipFill>
-                <a:blip r:embed="rId6"/>
+                <a:blip r:embed="rId7"/>
                 <a:stretch>
-                  <a:fillRect t="-4444" r="-436" b="-35556"/>
+                  <a:fillRect t="-2174" r="-436" b="-32609"/>
                 </a:stretch>
               </a:blipFill>
             </p:spPr>
@@ -17602,7 +17636,7 @@
               <a:lstStyle/>
               <a:p>
                 <a:r>
-                  <a:rPr lang="en-US">
+                  <a:rPr lang="es-ES">
                     <a:noFill/>
                   </a:rPr>
                   <a:t> </a:t>
@@ -17612,8 +17646,8 @@
           </p:sp>
         </mc:Fallback>
       </mc:AlternateContent>
-      <mc:AlternateContent xmlns:mc="http://schemas.openxmlformats.org/markup-compatibility/2006" xmlns:a14="http://schemas.microsoft.com/office/drawing/2010/main">
-        <mc:Choice Requires="a14">
+      <mc:AlternateContent xmlns:mc="http://schemas.openxmlformats.org/markup-compatibility/2006">
+        <mc:Choice xmlns:a14="http://schemas.microsoft.com/office/drawing/2010/main" Requires="a14">
           <p:sp>
             <p:nvSpPr>
               <p:cNvPr id="24" name="TextBox 23">
@@ -17628,7 +17662,7 @@
             </p:nvSpPr>
             <p:spPr>
               <a:xfrm>
-                <a:off x="2472451" y="5304380"/>
+                <a:off x="2789890" y="5504405"/>
                 <a:ext cx="3659720" cy="276999"/>
               </a:xfrm>
               <a:prstGeom prst="rect">
@@ -17787,7 +17821,7 @@
             </p:txBody>
           </p:sp>
         </mc:Choice>
-        <mc:Fallback xmlns="">
+        <mc:Fallback>
           <p:sp>
             <p:nvSpPr>
               <p:cNvPr id="24" name="TextBox 23">
@@ -17804,16 +17838,16 @@
             </p:nvSpPr>
             <p:spPr>
               <a:xfrm>
-                <a:off x="2472451" y="5304380"/>
+                <a:off x="2789890" y="5504405"/>
                 <a:ext cx="3659720" cy="276999"/>
               </a:xfrm>
               <a:prstGeom prst="rect">
                 <a:avLst/>
               </a:prstGeom>
               <a:blipFill>
-                <a:blip r:embed="rId7"/>
+                <a:blip r:embed="rId8"/>
                 <a:stretch>
-                  <a:fillRect l="-500" r="-333" b="-6522"/>
+                  <a:fillRect l="-500" r="-333" b="-6667"/>
                 </a:stretch>
               </a:blipFill>
             </p:spPr>
@@ -17822,7 +17856,7 @@
               <a:lstStyle/>
               <a:p>
                 <a:r>
-                  <a:rPr lang="en-US">
+                  <a:rPr lang="es-ES">
                     <a:noFill/>
                   </a:rPr>
                   <a:t> </a:t>
@@ -17832,6 +17866,156 @@
           </p:sp>
         </mc:Fallback>
       </mc:AlternateContent>
+      <p:sp>
+        <p:nvSpPr>
+          <p:cNvPr id="2" name="CuadroTexto 1">
+            <a:extLst>
+              <a:ext uri="{FF2B5EF4-FFF2-40B4-BE49-F238E27FC236}">
+                <a16:creationId xmlns:a16="http://schemas.microsoft.com/office/drawing/2014/main" id="{2CC79629-4EE9-3DEB-E8C6-18CA36DC5D9B}"/>
+              </a:ext>
+            </a:extLst>
+          </p:cNvPr>
+          <p:cNvSpPr txBox="1"/>
+          <p:nvPr/>
+        </p:nvSpPr>
+        <p:spPr>
+          <a:xfrm>
+            <a:off x="1233515" y="3093404"/>
+            <a:ext cx="819150" cy="369332"/>
+          </a:xfrm>
+          <a:prstGeom prst="rect">
+            <a:avLst/>
+          </a:prstGeom>
+          <a:noFill/>
+        </p:spPr>
+        <p:txBody>
+          <a:bodyPr wrap="square" rtlCol="0">
+            <a:spAutoFit/>
+          </a:bodyPr>
+          <a:lstStyle/>
+          <a:p>
+            <a:r>
+              <a:rPr lang="es-MX" dirty="0"/>
+              <a:t>Unión</a:t>
+            </a:r>
+            <a:endParaRPr lang="es-ES" dirty="0"/>
+          </a:p>
+        </p:txBody>
+      </p:sp>
+      <p:cxnSp>
+        <p:nvCxnSpPr>
+          <p:cNvPr id="5" name="Conector recto de flecha 4">
+            <a:extLst>
+              <a:ext uri="{FF2B5EF4-FFF2-40B4-BE49-F238E27FC236}">
+                <a16:creationId xmlns:a16="http://schemas.microsoft.com/office/drawing/2014/main" id="{4B6CE574-D641-12ED-27C8-6B23B0B332CD}"/>
+              </a:ext>
+            </a:extLst>
+          </p:cNvPr>
+          <p:cNvCxnSpPr/>
+          <p:nvPr/>
+        </p:nvCxnSpPr>
+        <p:spPr>
+          <a:xfrm>
+            <a:off x="2052665" y="3278070"/>
+            <a:ext cx="419786" cy="0"/>
+          </a:xfrm>
+          <a:prstGeom prst="straightConnector1">
+            <a:avLst/>
+          </a:prstGeom>
+          <a:ln>
+            <a:tailEnd type="triangle"/>
+          </a:ln>
+        </p:spPr>
+        <p:style>
+          <a:lnRef idx="1">
+            <a:schemeClr val="accent1"/>
+          </a:lnRef>
+          <a:fillRef idx="0">
+            <a:schemeClr val="accent1"/>
+          </a:fillRef>
+          <a:effectRef idx="0">
+            <a:schemeClr val="accent1"/>
+          </a:effectRef>
+          <a:fontRef idx="minor">
+            <a:schemeClr val="tx1"/>
+          </a:fontRef>
+        </p:style>
+      </p:cxnSp>
+      <p:sp>
+        <p:nvSpPr>
+          <p:cNvPr id="11" name="CuadroTexto 10">
+            <a:extLst>
+              <a:ext uri="{FF2B5EF4-FFF2-40B4-BE49-F238E27FC236}">
+                <a16:creationId xmlns:a16="http://schemas.microsoft.com/office/drawing/2014/main" id="{BA4E9FF1-4562-E2FA-4B5C-AE5DC9B58FC9}"/>
+              </a:ext>
+            </a:extLst>
+          </p:cNvPr>
+          <p:cNvSpPr txBox="1"/>
+          <p:nvPr/>
+        </p:nvSpPr>
+        <p:spPr>
+          <a:xfrm>
+            <a:off x="1494999" y="2474251"/>
+            <a:ext cx="1503479" cy="369332"/>
+          </a:xfrm>
+          <a:prstGeom prst="rect">
+            <a:avLst/>
+          </a:prstGeom>
+          <a:noFill/>
+        </p:spPr>
+        <p:txBody>
+          <a:bodyPr wrap="square" rtlCol="0">
+            <a:spAutoFit/>
+          </a:bodyPr>
+          <a:lstStyle/>
+          <a:p>
+            <a:r>
+              <a:rPr lang="es-MX" dirty="0"/>
+              <a:t>Intersección</a:t>
+            </a:r>
+            <a:endParaRPr lang="es-ES" dirty="0"/>
+          </a:p>
+        </p:txBody>
+      </p:sp>
+      <p:cxnSp>
+        <p:nvCxnSpPr>
+          <p:cNvPr id="12" name="Conector recto de flecha 11">
+            <a:extLst>
+              <a:ext uri="{FF2B5EF4-FFF2-40B4-BE49-F238E27FC236}">
+                <a16:creationId xmlns:a16="http://schemas.microsoft.com/office/drawing/2014/main" id="{0DB30F6C-D331-F319-8F8F-FB68650B66CD}"/>
+              </a:ext>
+            </a:extLst>
+          </p:cNvPr>
+          <p:cNvCxnSpPr/>
+          <p:nvPr/>
+        </p:nvCxnSpPr>
+        <p:spPr>
+          <a:xfrm>
+            <a:off x="2804404" y="2667160"/>
+            <a:ext cx="419786" cy="0"/>
+          </a:xfrm>
+          <a:prstGeom prst="straightConnector1">
+            <a:avLst/>
+          </a:prstGeom>
+          <a:ln>
+            <a:tailEnd type="triangle"/>
+          </a:ln>
+        </p:spPr>
+        <p:style>
+          <a:lnRef idx="1">
+            <a:schemeClr val="accent1"/>
+          </a:lnRef>
+          <a:fillRef idx="0">
+            <a:schemeClr val="accent1"/>
+          </a:fillRef>
+          <a:effectRef idx="0">
+            <a:schemeClr val="accent1"/>
+          </a:effectRef>
+          <a:fontRef idx="minor">
+            <a:schemeClr val="tx1"/>
+          </a:fontRef>
+        </p:style>
+      </p:cxnSp>
     </p:spTree>
     <p:extLst>
       <p:ext uri="{BB962C8B-B14F-4D97-AF65-F5344CB8AC3E}">
@@ -17864,6 +18048,252 @@
       </p:grpSpPr>
       <p:sp>
         <p:nvSpPr>
+          <p:cNvPr id="2" name="Título 1">
+            <a:extLst>
+              <a:ext uri="{FF2B5EF4-FFF2-40B4-BE49-F238E27FC236}">
+                <a16:creationId xmlns:a16="http://schemas.microsoft.com/office/drawing/2014/main" id="{A45D0F4D-8B10-EA25-40B9-EED68E0950A5}"/>
+              </a:ext>
+            </a:extLst>
+          </p:cNvPr>
+          <p:cNvSpPr>
+            <a:spLocks noGrp="1"/>
+          </p:cNvSpPr>
+          <p:nvPr>
+            <p:ph type="title"/>
+          </p:nvPr>
+        </p:nvSpPr>
+        <p:spPr>
+          <a:xfrm>
+            <a:off x="628650" y="1133475"/>
+            <a:ext cx="7886700" cy="557214"/>
+          </a:xfrm>
+        </p:spPr>
+        <p:txBody>
+          <a:bodyPr/>
+          <a:lstStyle/>
+          <a:p>
+            <a:r>
+              <a:rPr lang="es-MX" dirty="0"/>
+              <a:t>Ejemplo de Unión</a:t>
+            </a:r>
+            <a:endParaRPr lang="es-ES" dirty="0"/>
+          </a:p>
+        </p:txBody>
+      </p:sp>
+      <p:sp>
+        <p:nvSpPr>
+          <p:cNvPr id="4" name="Marcador de número de diapositiva 3">
+            <a:extLst>
+              <a:ext uri="{FF2B5EF4-FFF2-40B4-BE49-F238E27FC236}">
+                <a16:creationId xmlns:a16="http://schemas.microsoft.com/office/drawing/2014/main" id="{D1C7E0E9-8D6A-D31B-79E5-0069B605E0E5}"/>
+              </a:ext>
+            </a:extLst>
+          </p:cNvPr>
+          <p:cNvSpPr>
+            <a:spLocks noGrp="1"/>
+          </p:cNvSpPr>
+          <p:nvPr>
+            <p:ph type="sldNum" sz="quarter" idx="12"/>
+          </p:nvPr>
+        </p:nvSpPr>
+        <p:spPr/>
+        <p:txBody>
+          <a:bodyPr/>
+          <a:lstStyle/>
+          <a:p>
+            <a:fld id="{F72B40EF-D53A-41AA-87B6-B9F74BA43E09}" type="slidenum">
+              <a:rPr lang="es-ES" smtClean="0"/>
+              <a:t>23</a:t>
+            </a:fld>
+            <a:endParaRPr lang="es-ES"/>
+          </a:p>
+        </p:txBody>
+      </p:sp>
+      <p:pic>
+        <p:nvPicPr>
+          <p:cNvPr id="6" name="Imagen 5">
+            <a:extLst>
+              <a:ext uri="{FF2B5EF4-FFF2-40B4-BE49-F238E27FC236}">
+                <a16:creationId xmlns:a16="http://schemas.microsoft.com/office/drawing/2014/main" id="{E037EE08-1814-24F0-A9C4-A41C0B5E0971}"/>
+              </a:ext>
+            </a:extLst>
+          </p:cNvPr>
+          <p:cNvPicPr>
+            <a:picLocks noChangeAspect="1"/>
+          </p:cNvPicPr>
+          <p:nvPr/>
+        </p:nvPicPr>
+        <p:blipFill>
+          <a:blip r:embed="rId2"/>
+          <a:stretch>
+            <a:fillRect/>
+          </a:stretch>
+        </p:blipFill>
+        <p:spPr>
+          <a:xfrm>
+            <a:off x="1446597" y="1876425"/>
+            <a:ext cx="6250806" cy="4557713"/>
+          </a:xfrm>
+          <a:prstGeom prst="rect">
+            <a:avLst/>
+          </a:prstGeom>
+        </p:spPr>
+      </p:pic>
+    </p:spTree>
+    <p:extLst>
+      <p:ext uri="{BB962C8B-B14F-4D97-AF65-F5344CB8AC3E}">
+        <p14:creationId xmlns:p14="http://schemas.microsoft.com/office/powerpoint/2010/main" val="926172671"/>
+      </p:ext>
+    </p:extLst>
+  </p:cSld>
+  <p:clrMapOvr>
+    <a:masterClrMapping/>
+  </p:clrMapOvr>
+</p:sld>
+</file>
+
+<file path=ppt/slides/slide24.xml><?xml version="1.0" encoding="utf-8"?>
+<p:sld xmlns:a="http://schemas.openxmlformats.org/drawingml/2006/main" xmlns:r="http://schemas.openxmlformats.org/officeDocument/2006/relationships" xmlns:p="http://schemas.openxmlformats.org/presentationml/2006/main">
+  <p:cSld>
+    <p:spTree>
+      <p:nvGrpSpPr>
+        <p:cNvPr id="1" name=""/>
+        <p:cNvGrpSpPr/>
+        <p:nvPr/>
+      </p:nvGrpSpPr>
+      <p:grpSpPr>
+        <a:xfrm>
+          <a:off x="0" y="0"/>
+          <a:ext cx="0" cy="0"/>
+          <a:chOff x="0" y="0"/>
+          <a:chExt cx="0" cy="0"/>
+        </a:xfrm>
+      </p:grpSpPr>
+      <p:sp>
+        <p:nvSpPr>
+          <p:cNvPr id="2" name="Título 1">
+            <a:extLst>
+              <a:ext uri="{FF2B5EF4-FFF2-40B4-BE49-F238E27FC236}">
+                <a16:creationId xmlns:a16="http://schemas.microsoft.com/office/drawing/2014/main" id="{D11EE050-D495-2F0A-4355-81E8C8645200}"/>
+              </a:ext>
+            </a:extLst>
+          </p:cNvPr>
+          <p:cNvSpPr>
+            <a:spLocks noGrp="1"/>
+          </p:cNvSpPr>
+          <p:nvPr>
+            <p:ph type="title"/>
+          </p:nvPr>
+        </p:nvSpPr>
+        <p:spPr>
+          <a:xfrm>
+            <a:off x="628650" y="1076325"/>
+            <a:ext cx="7886700" cy="614364"/>
+          </a:xfrm>
+        </p:spPr>
+        <p:txBody>
+          <a:bodyPr/>
+          <a:lstStyle/>
+          <a:p>
+            <a:r>
+              <a:rPr lang="es-MX" dirty="0"/>
+              <a:t>Ejemplo de Intersección</a:t>
+            </a:r>
+            <a:endParaRPr lang="es-ES" dirty="0"/>
+          </a:p>
+        </p:txBody>
+      </p:sp>
+      <p:sp>
+        <p:nvSpPr>
+          <p:cNvPr id="4" name="Marcador de número de diapositiva 3">
+            <a:extLst>
+              <a:ext uri="{FF2B5EF4-FFF2-40B4-BE49-F238E27FC236}">
+                <a16:creationId xmlns:a16="http://schemas.microsoft.com/office/drawing/2014/main" id="{EAE81AF3-0D3D-2AE7-9DCC-F579EC89C257}"/>
+              </a:ext>
+            </a:extLst>
+          </p:cNvPr>
+          <p:cNvSpPr>
+            <a:spLocks noGrp="1"/>
+          </p:cNvSpPr>
+          <p:nvPr>
+            <p:ph type="sldNum" sz="quarter" idx="12"/>
+          </p:nvPr>
+        </p:nvSpPr>
+        <p:spPr/>
+        <p:txBody>
+          <a:bodyPr/>
+          <a:lstStyle/>
+          <a:p>
+            <a:fld id="{F72B40EF-D53A-41AA-87B6-B9F74BA43E09}" type="slidenum">
+              <a:rPr lang="es-ES" smtClean="0"/>
+              <a:t>24</a:t>
+            </a:fld>
+            <a:endParaRPr lang="es-ES"/>
+          </a:p>
+        </p:txBody>
+      </p:sp>
+      <p:pic>
+        <p:nvPicPr>
+          <p:cNvPr id="6" name="Imagen 5">
+            <a:extLst>
+              <a:ext uri="{FF2B5EF4-FFF2-40B4-BE49-F238E27FC236}">
+                <a16:creationId xmlns:a16="http://schemas.microsoft.com/office/drawing/2014/main" id="{DF2C0AF9-CC90-9440-B169-23504CFE8FE4}"/>
+              </a:ext>
+            </a:extLst>
+          </p:cNvPr>
+          <p:cNvPicPr>
+            <a:picLocks noChangeAspect="1"/>
+          </p:cNvPicPr>
+          <p:nvPr/>
+        </p:nvPicPr>
+        <p:blipFill>
+          <a:blip r:embed="rId2"/>
+          <a:stretch>
+            <a:fillRect/>
+          </a:stretch>
+        </p:blipFill>
+        <p:spPr>
+          <a:xfrm>
+            <a:off x="1466850" y="1978640"/>
+            <a:ext cx="6019800" cy="4482486"/>
+          </a:xfrm>
+          <a:prstGeom prst="rect">
+            <a:avLst/>
+          </a:prstGeom>
+        </p:spPr>
+      </p:pic>
+    </p:spTree>
+    <p:extLst>
+      <p:ext uri="{BB962C8B-B14F-4D97-AF65-F5344CB8AC3E}">
+        <p14:creationId xmlns:p14="http://schemas.microsoft.com/office/powerpoint/2010/main" val="1385854911"/>
+      </p:ext>
+    </p:extLst>
+  </p:cSld>
+  <p:clrMapOvr>
+    <a:masterClrMapping/>
+  </p:clrMapOvr>
+</p:sld>
+</file>
+
+<file path=ppt/slides/slide25.xml><?xml version="1.0" encoding="utf-8"?>
+<p:sld xmlns:a="http://schemas.openxmlformats.org/drawingml/2006/main" xmlns:r="http://schemas.openxmlformats.org/officeDocument/2006/relationships" xmlns:p="http://schemas.openxmlformats.org/presentationml/2006/main">
+  <p:cSld>
+    <p:spTree>
+      <p:nvGrpSpPr>
+        <p:cNvPr id="1" name=""/>
+        <p:cNvGrpSpPr/>
+        <p:nvPr/>
+      </p:nvGrpSpPr>
+      <p:grpSpPr>
+        <a:xfrm>
+          <a:off x="0" y="0"/>
+          <a:ext cx="0" cy="0"/>
+          <a:chOff x="0" y="0"/>
+          <a:chExt cx="0" cy="0"/>
+        </a:xfrm>
+      </p:grpSpPr>
+      <p:sp>
+        <p:nvSpPr>
           <p:cNvPr id="4" name="Marcador de número de diapositiva 3"/>
           <p:cNvSpPr>
             <a:spLocks noGrp="1"/>
@@ -17884,7 +18314,7 @@
           <a:p>
             <a:fld id="{F72B40EF-D53A-41AA-87B6-B9F74BA43E09}" type="slidenum">
               <a:rPr lang="es-ES" smtClean="0"/>
-              <a:t>23</a:t>
+              <a:t>25</a:t>
             </a:fld>
             <a:endParaRPr lang="es-ES" dirty="0"/>
           </a:p>
@@ -18096,7 +18526,7 @@
         <p:spPr>
           <a:xfrm>
             <a:off x="702448" y="2014284"/>
-            <a:ext cx="7739104" cy="3693319"/>
+            <a:ext cx="7739104" cy="3139321"/>
           </a:xfrm>
           <a:prstGeom prst="rect">
             <a:avLst/>
@@ -18164,12 +18594,8 @@
             </a:r>
             <a:r>
               <a:rPr lang="es-ES" dirty="0"/>
-              <a:t>usarla directamente. Por ejemplo:</a:t>
-            </a:r>
-          </a:p>
-          <a:p>
-            <a:pPr algn="just"/>
-            <a:endParaRPr lang="es-ES" dirty="0"/>
+              <a:t>usarla directamente. Por</a:t>
+            </a:r>
           </a:p>
           <a:p>
             <a:pPr algn="just"/>
@@ -18674,587 +19100,6 @@
           </p:sp>
         </mc:Fallback>
       </mc:AlternateContent>
-      <mc:AlternateContent xmlns:mc="http://schemas.openxmlformats.org/markup-compatibility/2006" xmlns:a14="http://schemas.microsoft.com/office/drawing/2010/main">
-        <mc:Choice Requires="a14">
-          <p:sp>
-            <p:nvSpPr>
-              <p:cNvPr id="24" name="TextBox 23">
-                <a:extLst>
-                  <a:ext uri="{FF2B5EF4-FFF2-40B4-BE49-F238E27FC236}">
-                    <a16:creationId xmlns:a16="http://schemas.microsoft.com/office/drawing/2014/main" id="{93C48925-EA42-4743-A7EF-0544E7501281}"/>
-                  </a:ext>
-                </a:extLst>
-              </p:cNvPr>
-              <p:cNvSpPr txBox="1"/>
-              <p:nvPr/>
-            </p:nvSpPr>
-            <p:spPr>
-              <a:xfrm>
-                <a:off x="779447" y="5144478"/>
-                <a:ext cx="2926763" cy="520399"/>
-              </a:xfrm>
-              <a:prstGeom prst="rect">
-                <a:avLst/>
-              </a:prstGeom>
-              <a:noFill/>
-            </p:spPr>
-            <p:txBody>
-              <a:bodyPr wrap="none" lIns="0" tIns="0" rIns="0" bIns="0" rtlCol="0">
-                <a:spAutoFit/>
-              </a:bodyPr>
-              <a:lstStyle/>
-              <a:p>
-                <a:pPr/>
-                <a14:m>
-                  <m:oMathPara xmlns:m="http://schemas.openxmlformats.org/officeDocument/2006/math">
-                    <m:oMathParaPr>
-                      <m:jc m:val="centerGroup"/>
-                    </m:oMathParaPr>
-                    <m:oMath xmlns:m="http://schemas.openxmlformats.org/officeDocument/2006/math">
-                      <m:r>
-                        <a:rPr lang="ca-ES" b="0" i="1" smtClean="0">
-                          <a:latin typeface="Cambria Math" panose="02040503050406030204" pitchFamily="18" charset="0"/>
-                        </a:rPr>
-                        <m:t>𝑃</m:t>
-                      </m:r>
-                      <m:r>
-                        <a:rPr lang="ca-ES" b="0" i="1" smtClean="0">
-                          <a:latin typeface="Cambria Math" panose="02040503050406030204" pitchFamily="18" charset="0"/>
-                        </a:rPr>
-                        <m:t> </m:t>
-                      </m:r>
-                      <m:d>
-                        <m:dPr>
-                          <m:ctrlPr>
-                            <a:rPr lang="ca-ES" b="0" i="1" smtClean="0">
-                              <a:latin typeface="Cambria Math" panose="02040503050406030204" pitchFamily="18" charset="0"/>
-                            </a:rPr>
-                          </m:ctrlPr>
-                        </m:dPr>
-                        <m:e>
-                          <m:r>
-                            <a:rPr lang="ca-ES" b="0" i="1" smtClean="0">
-                              <a:latin typeface="Cambria Math" panose="02040503050406030204" pitchFamily="18" charset="0"/>
-                            </a:rPr>
-                            <m:t>𝐴</m:t>
-                          </m:r>
-                        </m:e>
-                      </m:d>
-                      <m:r>
-                        <a:rPr lang="ca-ES" b="0" i="1" smtClean="0">
-                          <a:latin typeface="Cambria Math" panose="02040503050406030204" pitchFamily="18" charset="0"/>
-                        </a:rPr>
-                        <m:t>=</m:t>
-                      </m:r>
-                      <m:r>
-                        <a:rPr lang="ca-ES" i="1">
-                          <a:latin typeface="Cambria Math" panose="02040503050406030204" pitchFamily="18" charset="0"/>
-                        </a:rPr>
-                        <m:t>𝑃</m:t>
-                      </m:r>
-                      <m:d>
-                        <m:dPr>
-                          <m:ctrlPr>
-                            <a:rPr lang="ca-ES" i="1">
-                              <a:latin typeface="Cambria Math" panose="02040503050406030204" pitchFamily="18" charset="0"/>
-                            </a:rPr>
-                          </m:ctrlPr>
-                        </m:dPr>
-                        <m:e>
-                          <m:r>
-                            <a:rPr lang="ca-ES" b="0" i="1" smtClean="0">
-                              <a:latin typeface="Cambria Math" panose="02040503050406030204" pitchFamily="18" charset="0"/>
-                            </a:rPr>
-                            <m:t>𝑁</m:t>
-                          </m:r>
-                          <m:r>
-                            <a:rPr lang="ca-ES" b="0" i="1" smtClean="0">
-                              <a:latin typeface="Cambria Math" panose="02040503050406030204" pitchFamily="18" charset="0"/>
-                            </a:rPr>
-                            <m:t>ú</m:t>
-                          </m:r>
-                          <m:r>
-                            <a:rPr lang="ca-ES" b="0" i="1" smtClean="0">
-                              <a:latin typeface="Cambria Math" panose="02040503050406030204" pitchFamily="18" charset="0"/>
-                            </a:rPr>
-                            <m:t>𝑚𝑒𝑟𝑜</m:t>
-                          </m:r>
-                          <m:r>
-                            <a:rPr lang="ca-ES" b="0" i="1" smtClean="0">
-                              <a:latin typeface="Cambria Math" panose="02040503050406030204" pitchFamily="18" charset="0"/>
-                            </a:rPr>
-                            <m:t> </m:t>
-                          </m:r>
-                          <m:r>
-                            <a:rPr lang="ca-ES" b="0" i="1" smtClean="0">
-                              <a:latin typeface="Cambria Math" panose="02040503050406030204" pitchFamily="18" charset="0"/>
-                            </a:rPr>
-                            <m:t>𝑝𝑎𝑟</m:t>
-                          </m:r>
-                        </m:e>
-                      </m:d>
-                      <m:r>
-                        <a:rPr lang="ca-ES" b="0" i="1" smtClean="0">
-                          <a:latin typeface="Cambria Math" panose="02040503050406030204" pitchFamily="18" charset="0"/>
-                        </a:rPr>
-                        <m:t>=</m:t>
-                      </m:r>
-                      <m:f>
-                        <m:fPr>
-                          <m:ctrlPr>
-                            <a:rPr lang="ca-ES" b="0" i="1" smtClean="0">
-                              <a:latin typeface="Cambria Math" panose="02040503050406030204" pitchFamily="18" charset="0"/>
-                            </a:rPr>
-                          </m:ctrlPr>
-                        </m:fPr>
-                        <m:num>
-                          <m:r>
-                            <a:rPr lang="ca-ES" b="0" i="1" smtClean="0">
-                              <a:latin typeface="Cambria Math" panose="02040503050406030204" pitchFamily="18" charset="0"/>
-                            </a:rPr>
-                            <m:t>3</m:t>
-                          </m:r>
-                        </m:num>
-                        <m:den>
-                          <m:r>
-                            <a:rPr lang="ca-ES" b="0" i="1" smtClean="0">
-                              <a:latin typeface="Cambria Math" panose="02040503050406030204" pitchFamily="18" charset="0"/>
-                            </a:rPr>
-                            <m:t>6</m:t>
-                          </m:r>
-                        </m:den>
-                      </m:f>
-                    </m:oMath>
-                  </m:oMathPara>
-                </a14:m>
-                <a:endParaRPr lang="en-US" dirty="0"/>
-              </a:p>
-            </p:txBody>
-          </p:sp>
-        </mc:Choice>
-        <mc:Fallback xmlns="">
-          <p:sp>
-            <p:nvSpPr>
-              <p:cNvPr id="24" name="TextBox 23">
-                <a:extLst>
-                  <a:ext uri="{FF2B5EF4-FFF2-40B4-BE49-F238E27FC236}">
-                    <a16:creationId xmlns:a16="http://schemas.microsoft.com/office/drawing/2014/main" id="{93C48925-EA42-4743-A7EF-0544E7501281}"/>
-                  </a:ext>
-                </a:extLst>
-              </p:cNvPr>
-              <p:cNvSpPr txBox="1">
-                <a:spLocks noRot="1" noChangeAspect="1" noMove="1" noResize="1" noEditPoints="1" noAdjustHandles="1" noChangeArrowheads="1" noChangeShapeType="1" noTextEdit="1"/>
-              </p:cNvSpPr>
-              <p:nvPr/>
-            </p:nvSpPr>
-            <p:spPr>
-              <a:xfrm>
-                <a:off x="779447" y="5144478"/>
-                <a:ext cx="2926763" cy="520399"/>
-              </a:xfrm>
-              <a:prstGeom prst="rect">
-                <a:avLst/>
-              </a:prstGeom>
-              <a:blipFill>
-                <a:blip r:embed="rId6"/>
-                <a:stretch>
-                  <a:fillRect/>
-                </a:stretch>
-              </a:blipFill>
-            </p:spPr>
-            <p:txBody>
-              <a:bodyPr/>
-              <a:lstStyle/>
-              <a:p>
-                <a:r>
-                  <a:rPr lang="en-US">
-                    <a:noFill/>
-                  </a:rPr>
-                  <a:t> </a:t>
-                </a:r>
-              </a:p>
-            </p:txBody>
-          </p:sp>
-        </mc:Fallback>
-      </mc:AlternateContent>
-      <mc:AlternateContent xmlns:mc="http://schemas.openxmlformats.org/markup-compatibility/2006" xmlns:a14="http://schemas.microsoft.com/office/drawing/2010/main">
-        <mc:Choice Requires="a14">
-          <p:sp>
-            <p:nvSpPr>
-              <p:cNvPr id="14" name="TextBox 13">
-                <a:extLst>
-                  <a:ext uri="{FF2B5EF4-FFF2-40B4-BE49-F238E27FC236}">
-                    <a16:creationId xmlns:a16="http://schemas.microsoft.com/office/drawing/2014/main" id="{64EC99CC-4B9F-4B5D-927C-4CCD56CDE8D4}"/>
-                  </a:ext>
-                </a:extLst>
-              </p:cNvPr>
-              <p:cNvSpPr txBox="1"/>
-              <p:nvPr/>
-            </p:nvSpPr>
-            <p:spPr>
-              <a:xfrm>
-                <a:off x="768717" y="5962002"/>
-                <a:ext cx="3609643" cy="520399"/>
-              </a:xfrm>
-              <a:prstGeom prst="rect">
-                <a:avLst/>
-              </a:prstGeom>
-              <a:noFill/>
-            </p:spPr>
-            <p:txBody>
-              <a:bodyPr wrap="none" lIns="0" tIns="0" rIns="0" bIns="0" rtlCol="0">
-                <a:spAutoFit/>
-              </a:bodyPr>
-              <a:lstStyle/>
-              <a:p>
-                <a:pPr/>
-                <a14:m>
-                  <m:oMathPara xmlns:m="http://schemas.openxmlformats.org/officeDocument/2006/math">
-                    <m:oMathParaPr>
-                      <m:jc m:val="centerGroup"/>
-                    </m:oMathParaPr>
-                    <m:oMath xmlns:m="http://schemas.openxmlformats.org/officeDocument/2006/math">
-                      <m:r>
-                        <a:rPr lang="ca-ES" b="0" i="1" smtClean="0">
-                          <a:latin typeface="Cambria Math" panose="02040503050406030204" pitchFamily="18" charset="0"/>
-                        </a:rPr>
-                        <m:t>𝑃</m:t>
-                      </m:r>
-                      <m:r>
-                        <a:rPr lang="ca-ES" b="0" i="1" smtClean="0">
-                          <a:latin typeface="Cambria Math" panose="02040503050406030204" pitchFamily="18" charset="0"/>
-                        </a:rPr>
-                        <m:t> </m:t>
-                      </m:r>
-                      <m:d>
-                        <m:dPr>
-                          <m:ctrlPr>
-                            <a:rPr lang="ca-ES" b="0" i="1" smtClean="0">
-                              <a:latin typeface="Cambria Math" panose="02040503050406030204" pitchFamily="18" charset="0"/>
-                            </a:rPr>
-                          </m:ctrlPr>
-                        </m:dPr>
-                        <m:e>
-                          <m:r>
-                            <a:rPr lang="ca-ES" b="0" i="1" smtClean="0">
-                              <a:latin typeface="Cambria Math" panose="02040503050406030204" pitchFamily="18" charset="0"/>
-                            </a:rPr>
-                            <m:t>𝐵</m:t>
-                          </m:r>
-                        </m:e>
-                      </m:d>
-                      <m:r>
-                        <a:rPr lang="ca-ES" b="0" i="1" smtClean="0">
-                          <a:latin typeface="Cambria Math" panose="02040503050406030204" pitchFamily="18" charset="0"/>
-                        </a:rPr>
-                        <m:t>=</m:t>
-                      </m:r>
-                      <m:r>
-                        <a:rPr lang="ca-ES" i="1">
-                          <a:latin typeface="Cambria Math" panose="02040503050406030204" pitchFamily="18" charset="0"/>
-                        </a:rPr>
-                        <m:t>𝑃</m:t>
-                      </m:r>
-                      <m:d>
-                        <m:dPr>
-                          <m:ctrlPr>
-                            <a:rPr lang="ca-ES" i="1">
-                              <a:latin typeface="Cambria Math" panose="02040503050406030204" pitchFamily="18" charset="0"/>
-                            </a:rPr>
-                          </m:ctrlPr>
-                        </m:dPr>
-                        <m:e>
-                          <m:r>
-                            <a:rPr lang="ca-ES" b="0" i="1" smtClean="0">
-                              <a:latin typeface="Cambria Math" panose="02040503050406030204" pitchFamily="18" charset="0"/>
-                            </a:rPr>
-                            <m:t>𝑁</m:t>
-                          </m:r>
-                          <m:r>
-                            <a:rPr lang="ca-ES" b="0" i="1" smtClean="0">
-                              <a:latin typeface="Cambria Math" panose="02040503050406030204" pitchFamily="18" charset="0"/>
-                            </a:rPr>
-                            <m:t>ú</m:t>
-                          </m:r>
-                          <m:r>
-                            <a:rPr lang="ca-ES" b="0" i="1" smtClean="0">
-                              <a:latin typeface="Cambria Math" panose="02040503050406030204" pitchFamily="18" charset="0"/>
-                            </a:rPr>
-                            <m:t>𝑚𝑒𝑟𝑜</m:t>
-                          </m:r>
-                          <m:r>
-                            <a:rPr lang="ca-ES" b="0" i="1" smtClean="0">
-                              <a:latin typeface="Cambria Math" panose="02040503050406030204" pitchFamily="18" charset="0"/>
-                            </a:rPr>
-                            <m:t> </m:t>
-                          </m:r>
-                          <m:r>
-                            <a:rPr lang="ca-ES" b="0" i="1" smtClean="0">
-                              <a:latin typeface="Cambria Math" panose="02040503050406030204" pitchFamily="18" charset="0"/>
-                            </a:rPr>
-                            <m:t>𝑚𝑒𝑛𝑜𝑟</m:t>
-                          </m:r>
-                          <m:r>
-                            <a:rPr lang="ca-ES" b="0" i="1" smtClean="0">
-                              <a:latin typeface="Cambria Math" panose="02040503050406030204" pitchFamily="18" charset="0"/>
-                            </a:rPr>
-                            <m:t> </m:t>
-                          </m:r>
-                          <m:r>
-                            <a:rPr lang="ca-ES" b="0" i="1" smtClean="0">
-                              <a:latin typeface="Cambria Math" panose="02040503050406030204" pitchFamily="18" charset="0"/>
-                            </a:rPr>
-                            <m:t>𝑎</m:t>
-                          </m:r>
-                          <m:r>
-                            <a:rPr lang="ca-ES" b="0" i="1" smtClean="0">
-                              <a:latin typeface="Cambria Math" panose="02040503050406030204" pitchFamily="18" charset="0"/>
-                            </a:rPr>
-                            <m:t> 4</m:t>
-                          </m:r>
-                        </m:e>
-                      </m:d>
-                      <m:r>
-                        <a:rPr lang="ca-ES" b="0" i="1" smtClean="0">
-                          <a:latin typeface="Cambria Math" panose="02040503050406030204" pitchFamily="18" charset="0"/>
-                        </a:rPr>
-                        <m:t>=</m:t>
-                      </m:r>
-                      <m:f>
-                        <m:fPr>
-                          <m:ctrlPr>
-                            <a:rPr lang="ca-ES" b="0" i="1" smtClean="0">
-                              <a:latin typeface="Cambria Math" panose="02040503050406030204" pitchFamily="18" charset="0"/>
-                            </a:rPr>
-                          </m:ctrlPr>
-                        </m:fPr>
-                        <m:num>
-                          <m:r>
-                            <a:rPr lang="ca-ES" b="0" i="1" smtClean="0">
-                              <a:latin typeface="Cambria Math" panose="02040503050406030204" pitchFamily="18" charset="0"/>
-                            </a:rPr>
-                            <m:t>3</m:t>
-                          </m:r>
-                        </m:num>
-                        <m:den>
-                          <m:r>
-                            <a:rPr lang="ca-ES" b="0" i="1" smtClean="0">
-                              <a:latin typeface="Cambria Math" panose="02040503050406030204" pitchFamily="18" charset="0"/>
-                            </a:rPr>
-                            <m:t>6</m:t>
-                          </m:r>
-                        </m:den>
-                      </m:f>
-                    </m:oMath>
-                  </m:oMathPara>
-                </a14:m>
-                <a:endParaRPr lang="en-US" dirty="0"/>
-              </a:p>
-            </p:txBody>
-          </p:sp>
-        </mc:Choice>
-        <mc:Fallback xmlns="">
-          <p:sp>
-            <p:nvSpPr>
-              <p:cNvPr id="14" name="TextBox 13">
-                <a:extLst>
-                  <a:ext uri="{FF2B5EF4-FFF2-40B4-BE49-F238E27FC236}">
-                    <a16:creationId xmlns:a16="http://schemas.microsoft.com/office/drawing/2014/main" id="{64EC99CC-4B9F-4B5D-927C-4CCD56CDE8D4}"/>
-                  </a:ext>
-                </a:extLst>
-              </p:cNvPr>
-              <p:cNvSpPr txBox="1">
-                <a:spLocks noRot="1" noChangeAspect="1" noMove="1" noResize="1" noEditPoints="1" noAdjustHandles="1" noChangeArrowheads="1" noChangeShapeType="1" noTextEdit="1"/>
-              </p:cNvSpPr>
-              <p:nvPr/>
-            </p:nvSpPr>
-            <p:spPr>
-              <a:xfrm>
-                <a:off x="768717" y="5962002"/>
-                <a:ext cx="3609643" cy="520399"/>
-              </a:xfrm>
-              <a:prstGeom prst="rect">
-                <a:avLst/>
-              </a:prstGeom>
-              <a:blipFill>
-                <a:blip r:embed="rId7"/>
-                <a:stretch>
-                  <a:fillRect/>
-                </a:stretch>
-              </a:blipFill>
-            </p:spPr>
-            <p:txBody>
-              <a:bodyPr/>
-              <a:lstStyle/>
-              <a:p>
-                <a:r>
-                  <a:rPr lang="en-US">
-                    <a:noFill/>
-                  </a:rPr>
-                  <a:t> </a:t>
-                </a:r>
-              </a:p>
-            </p:txBody>
-          </p:sp>
-        </mc:Fallback>
-      </mc:AlternateContent>
-      <mc:AlternateContent xmlns:mc="http://schemas.openxmlformats.org/markup-compatibility/2006" xmlns:a14="http://schemas.microsoft.com/office/drawing/2010/main">
-        <mc:Choice Requires="a14">
-          <p:sp>
-            <p:nvSpPr>
-              <p:cNvPr id="15" name="TextBox 14">
-                <a:extLst>
-                  <a:ext uri="{FF2B5EF4-FFF2-40B4-BE49-F238E27FC236}">
-                    <a16:creationId xmlns:a16="http://schemas.microsoft.com/office/drawing/2014/main" id="{07BAE3F9-7454-4F24-B084-363F8DD2C1E2}"/>
-                  </a:ext>
-                </a:extLst>
-              </p:cNvPr>
-              <p:cNvSpPr txBox="1"/>
-              <p:nvPr/>
-            </p:nvSpPr>
-            <p:spPr>
-              <a:xfrm>
-                <a:off x="5354463" y="5674940"/>
-                <a:ext cx="2612575" cy="276999"/>
-              </a:xfrm>
-              <a:prstGeom prst="rect">
-                <a:avLst/>
-              </a:prstGeom>
-              <a:noFill/>
-            </p:spPr>
-            <p:txBody>
-              <a:bodyPr wrap="none" lIns="0" tIns="0" rIns="0" bIns="0" rtlCol="0">
-                <a:spAutoFit/>
-              </a:bodyPr>
-              <a:lstStyle/>
-              <a:p>
-                <a:pPr/>
-                <a14:m>
-                  <m:oMathPara xmlns:m="http://schemas.openxmlformats.org/officeDocument/2006/math">
-                    <m:oMathParaPr>
-                      <m:jc m:val="centerGroup"/>
-                    </m:oMathParaPr>
-                    <m:oMath xmlns:m="http://schemas.openxmlformats.org/officeDocument/2006/math">
-                      <m:r>
-                        <a:rPr lang="ca-ES" b="0" i="1" smtClean="0">
-                          <a:latin typeface="Cambria Math" panose="02040503050406030204" pitchFamily="18" charset="0"/>
-                        </a:rPr>
-                        <m:t>𝑃</m:t>
-                      </m:r>
-                      <m:r>
-                        <a:rPr lang="ca-ES" b="0" i="1" smtClean="0">
-                          <a:latin typeface="Cambria Math" panose="02040503050406030204" pitchFamily="18" charset="0"/>
-                        </a:rPr>
-                        <m:t> </m:t>
-                      </m:r>
-                      <m:d>
-                        <m:dPr>
-                          <m:ctrlPr>
-                            <a:rPr lang="ca-ES" b="0" i="1" smtClean="0">
-                              <a:latin typeface="Cambria Math" panose="02040503050406030204" pitchFamily="18" charset="0"/>
-                            </a:rPr>
-                          </m:ctrlPr>
-                        </m:dPr>
-                        <m:e>
-                          <m:r>
-                            <a:rPr lang="ca-ES" b="0" i="1" smtClean="0">
-                              <a:latin typeface="Cambria Math" panose="02040503050406030204" pitchFamily="18" charset="0"/>
-                            </a:rPr>
-                            <m:t>𝐴</m:t>
-                          </m:r>
-                          <m:r>
-                            <a:rPr lang="ca-ES" b="0" i="1" smtClean="0">
-                              <a:latin typeface="Cambria Math" panose="02040503050406030204" pitchFamily="18" charset="0"/>
-                              <a:ea typeface="Cambria Math" panose="02040503050406030204" pitchFamily="18" charset="0"/>
-                            </a:rPr>
-                            <m:t>∩</m:t>
-                          </m:r>
-                          <m:r>
-                            <a:rPr lang="ca-ES" b="0" i="1" smtClean="0">
-                              <a:latin typeface="Cambria Math" panose="02040503050406030204" pitchFamily="18" charset="0"/>
-                              <a:ea typeface="Cambria Math" panose="02040503050406030204" pitchFamily="18" charset="0"/>
-                            </a:rPr>
-                            <m:t>𝐵</m:t>
-                          </m:r>
-                        </m:e>
-                      </m:d>
-                      <m:r>
-                        <a:rPr lang="ca-ES" b="0" i="1" smtClean="0">
-                          <a:latin typeface="Cambria Math" panose="02040503050406030204" pitchFamily="18" charset="0"/>
-                        </a:rPr>
-                        <m:t>=</m:t>
-                      </m:r>
-                      <m:r>
-                        <a:rPr lang="es-MX" b="0" i="1" smtClean="0">
-                          <a:latin typeface="Cambria Math" panose="02040503050406030204" pitchFamily="18" charset="0"/>
-                        </a:rPr>
-                        <m:t>𝐼𝑛𝑡𝑒𝑟𝑠𝑒𝑐𝑐𝑖</m:t>
-                      </m:r>
-                      <m:r>
-                        <a:rPr lang="es-MX" b="0" i="1" smtClean="0">
-                          <a:latin typeface="Cambria Math" panose="02040503050406030204" pitchFamily="18" charset="0"/>
-                        </a:rPr>
-                        <m:t>ó</m:t>
-                      </m:r>
-                      <m:r>
-                        <a:rPr lang="es-MX" b="0" i="1" smtClean="0">
-                          <a:latin typeface="Cambria Math" panose="02040503050406030204" pitchFamily="18" charset="0"/>
-                        </a:rPr>
-                        <m:t>𝑛</m:t>
-                      </m:r>
-                    </m:oMath>
-                  </m:oMathPara>
-                </a14:m>
-                <a:endParaRPr lang="en-US" dirty="0"/>
-              </a:p>
-            </p:txBody>
-          </p:sp>
-        </mc:Choice>
-        <mc:Fallback xmlns="">
-          <p:sp>
-            <p:nvSpPr>
-              <p:cNvPr id="15" name="TextBox 14">
-                <a:extLst>
-                  <a:ext uri="{FF2B5EF4-FFF2-40B4-BE49-F238E27FC236}">
-                    <a16:creationId xmlns:a16="http://schemas.microsoft.com/office/drawing/2014/main" id="{07BAE3F9-7454-4F24-B084-363F8DD2C1E2}"/>
-                  </a:ext>
-                </a:extLst>
-              </p:cNvPr>
-              <p:cNvSpPr txBox="1">
-                <a:spLocks noRot="1" noChangeAspect="1" noMove="1" noResize="1" noEditPoints="1" noAdjustHandles="1" noChangeArrowheads="1" noChangeShapeType="1" noTextEdit="1"/>
-              </p:cNvSpPr>
-              <p:nvPr/>
-            </p:nvSpPr>
-            <p:spPr>
-              <a:xfrm>
-                <a:off x="5354463" y="5674940"/>
-                <a:ext cx="2612575" cy="276999"/>
-              </a:xfrm>
-              <a:prstGeom prst="rect">
-                <a:avLst/>
-              </a:prstGeom>
-              <a:blipFill>
-                <a:blip r:embed="rId8"/>
-                <a:stretch>
-                  <a:fillRect l="-1632" t="-2222" r="-1865" b="-8889"/>
-                </a:stretch>
-              </a:blipFill>
-            </p:spPr>
-            <p:txBody>
-              <a:bodyPr/>
-              <a:lstStyle/>
-              <a:p>
-                <a:r>
-                  <a:rPr lang="es-ES">
-                    <a:noFill/>
-                  </a:rPr>
-                  <a:t> </a:t>
-                </a:r>
-              </a:p>
-            </p:txBody>
-          </p:sp>
-        </mc:Fallback>
-      </mc:AlternateContent>
     </p:spTree>
     <p:extLst>
       <p:ext uri="{BB962C8B-B14F-4D97-AF65-F5344CB8AC3E}">
@@ -19268,7 +19113,7 @@
 </p:sld>
 </file>
 
-<file path=ppt/slides/slide24.xml><?xml version="1.0" encoding="utf-8"?>
+<file path=ppt/slides/slide26.xml><?xml version="1.0" encoding="utf-8"?>
 <p:sld xmlns:a="http://schemas.openxmlformats.org/drawingml/2006/main" xmlns:r="http://schemas.openxmlformats.org/officeDocument/2006/relationships" xmlns:p="http://schemas.openxmlformats.org/presentationml/2006/main">
   <p:cSld>
     <p:spTree>
@@ -19307,7 +19152,7 @@
           <a:p>
             <a:fld id="{F72B40EF-D53A-41AA-87B6-B9F74BA43E09}" type="slidenum">
               <a:rPr lang="es-ES" smtClean="0"/>
-              <a:t>24</a:t>
+              <a:t>26</a:t>
             </a:fld>
             <a:endParaRPr lang="es-ES" dirty="0"/>
           </a:p>
@@ -19588,7 +19433,7 @@
 </p:sld>
 </file>
 
-<file path=ppt/slides/slide25.xml><?xml version="1.0" encoding="utf-8"?>
+<file path=ppt/slides/slide27.xml><?xml version="1.0" encoding="utf-8"?>
 <p:sld xmlns:a="http://schemas.openxmlformats.org/drawingml/2006/main" xmlns:r="http://schemas.openxmlformats.org/officeDocument/2006/relationships" xmlns:p="http://schemas.openxmlformats.org/presentationml/2006/main">
   <p:cSld>
     <p:spTree>
@@ -19758,7 +19603,7 @@
           <a:p>
             <a:fld id="{F72B40EF-D53A-41AA-87B6-B9F74BA43E09}" type="slidenum">
               <a:rPr lang="es-ES" smtClean="0"/>
-              <a:t>25</a:t>
+              <a:t>27</a:t>
             </a:fld>
             <a:endParaRPr lang="es-ES"/>
           </a:p>
